--- a/Презентация технического задания.pptx
+++ b/Презентация технического задания.pptx
@@ -6,11 +6,20 @@
   </p:sldMasterIdLst>
   <p:sldIdLst>
     <p:sldId id="256" r:id="rId2"/>
-    <p:sldId id="257" r:id="rId3"/>
-    <p:sldId id="258" r:id="rId4"/>
-    <p:sldId id="259" r:id="rId5"/>
-    <p:sldId id="260" r:id="rId6"/>
-    <p:sldId id="261" r:id="rId7"/>
+    <p:sldId id="262" r:id="rId3"/>
+    <p:sldId id="257" r:id="rId4"/>
+    <p:sldId id="258" r:id="rId5"/>
+    <p:sldId id="259" r:id="rId6"/>
+    <p:sldId id="269" r:id="rId7"/>
+    <p:sldId id="268" r:id="rId8"/>
+    <p:sldId id="260" r:id="rId9"/>
+    <p:sldId id="263" r:id="rId10"/>
+    <p:sldId id="264" r:id="rId11"/>
+    <p:sldId id="272" r:id="rId12"/>
+    <p:sldId id="266" r:id="rId13"/>
+    <p:sldId id="267" r:id="rId14"/>
+    <p:sldId id="270" r:id="rId15"/>
+    <p:sldId id="271" r:id="rId16"/>
   </p:sldIdLst>
   <p:sldSz cx="12192000" cy="6858000"/>
   <p:notesSz cx="6858000" cy="9144000"/>
@@ -264,7 +273,7 @@
           <a:p>
             <a:fld id="{370E8556-8EF3-4F0B-8C80-B751E2C529BE}" type="datetimeFigureOut">
               <a:rPr lang="ru-RU" smtClean="0"/>
-              <a:t>11.03.2024</a:t>
+              <a:t>13.03.2024</a:t>
             </a:fld>
             <a:endParaRPr lang="ru-RU"/>
           </a:p>
@@ -462,7 +471,7 @@
           <a:p>
             <a:fld id="{370E8556-8EF3-4F0B-8C80-B751E2C529BE}" type="datetimeFigureOut">
               <a:rPr lang="ru-RU" smtClean="0"/>
-              <a:t>11.03.2024</a:t>
+              <a:t>13.03.2024</a:t>
             </a:fld>
             <a:endParaRPr lang="ru-RU"/>
           </a:p>
@@ -670,7 +679,7 @@
           <a:p>
             <a:fld id="{370E8556-8EF3-4F0B-8C80-B751E2C529BE}" type="datetimeFigureOut">
               <a:rPr lang="ru-RU" smtClean="0"/>
-              <a:t>11.03.2024</a:t>
+              <a:t>13.03.2024</a:t>
             </a:fld>
             <a:endParaRPr lang="ru-RU"/>
           </a:p>
@@ -868,7 +877,7 @@
           <a:p>
             <a:fld id="{370E8556-8EF3-4F0B-8C80-B751E2C529BE}" type="datetimeFigureOut">
               <a:rPr lang="ru-RU" smtClean="0"/>
-              <a:t>11.03.2024</a:t>
+              <a:t>13.03.2024</a:t>
             </a:fld>
             <a:endParaRPr lang="ru-RU"/>
           </a:p>
@@ -1143,7 +1152,7 @@
           <a:p>
             <a:fld id="{370E8556-8EF3-4F0B-8C80-B751E2C529BE}" type="datetimeFigureOut">
               <a:rPr lang="ru-RU" smtClean="0"/>
-              <a:t>11.03.2024</a:t>
+              <a:t>13.03.2024</a:t>
             </a:fld>
             <a:endParaRPr lang="ru-RU"/>
           </a:p>
@@ -1408,7 +1417,7 @@
           <a:p>
             <a:fld id="{370E8556-8EF3-4F0B-8C80-B751E2C529BE}" type="datetimeFigureOut">
               <a:rPr lang="ru-RU" smtClean="0"/>
-              <a:t>11.03.2024</a:t>
+              <a:t>13.03.2024</a:t>
             </a:fld>
             <a:endParaRPr lang="ru-RU"/>
           </a:p>
@@ -1820,7 +1829,7 @@
           <a:p>
             <a:fld id="{370E8556-8EF3-4F0B-8C80-B751E2C529BE}" type="datetimeFigureOut">
               <a:rPr lang="ru-RU" smtClean="0"/>
-              <a:t>11.03.2024</a:t>
+              <a:t>13.03.2024</a:t>
             </a:fld>
             <a:endParaRPr lang="ru-RU"/>
           </a:p>
@@ -1961,7 +1970,7 @@
           <a:p>
             <a:fld id="{370E8556-8EF3-4F0B-8C80-B751E2C529BE}" type="datetimeFigureOut">
               <a:rPr lang="ru-RU" smtClean="0"/>
-              <a:t>11.03.2024</a:t>
+              <a:t>13.03.2024</a:t>
             </a:fld>
             <a:endParaRPr lang="ru-RU"/>
           </a:p>
@@ -2074,7 +2083,7 @@
           <a:p>
             <a:fld id="{370E8556-8EF3-4F0B-8C80-B751E2C529BE}" type="datetimeFigureOut">
               <a:rPr lang="ru-RU" smtClean="0"/>
-              <a:t>11.03.2024</a:t>
+              <a:t>13.03.2024</a:t>
             </a:fld>
             <a:endParaRPr lang="ru-RU"/>
           </a:p>
@@ -2385,7 +2394,7 @@
           <a:p>
             <a:fld id="{370E8556-8EF3-4F0B-8C80-B751E2C529BE}" type="datetimeFigureOut">
               <a:rPr lang="ru-RU" smtClean="0"/>
-              <a:t>11.03.2024</a:t>
+              <a:t>13.03.2024</a:t>
             </a:fld>
             <a:endParaRPr lang="ru-RU"/>
           </a:p>
@@ -2673,7 +2682,7 @@
           <a:p>
             <a:fld id="{370E8556-8EF3-4F0B-8C80-B751E2C529BE}" type="datetimeFigureOut">
               <a:rPr lang="ru-RU" smtClean="0"/>
-              <a:t>11.03.2024</a:t>
+              <a:t>13.03.2024</a:t>
             </a:fld>
             <a:endParaRPr lang="ru-RU"/>
           </a:p>
@@ -2914,7 +2923,7 @@
           <a:p>
             <a:fld id="{370E8556-8EF3-4F0B-8C80-B751E2C529BE}" type="datetimeFigureOut">
               <a:rPr lang="ru-RU" smtClean="0"/>
-              <a:t>11.03.2024</a:t>
+              <a:t>13.03.2024</a:t>
             </a:fld>
             <a:endParaRPr lang="ru-RU"/>
           </a:p>
@@ -3349,27 +3358,29 @@
         </p:nvSpPr>
         <p:spPr>
           <a:xfrm>
-            <a:off x="1524000" y="1853641"/>
+            <a:off x="1524000" y="1041400"/>
             <a:ext cx="9144000" cy="2387600"/>
           </a:xfrm>
         </p:spPr>
         <p:txBody>
-          <a:bodyPr/>
+          <a:bodyPr>
+            <a:normAutofit/>
+          </a:bodyPr>
           <a:lstStyle/>
           <a:p>
             <a:pPr algn="l"/>
             <a:r>
-              <a:rPr lang="en-US" dirty="0">
-                <a:latin typeface="Calibri" panose="020F0502020204030204" pitchFamily="34" charset="0"/>
+              <a:rPr lang="en-US" sz="6600" b="1" dirty="0">
+                <a:latin typeface="Arial" panose="020B0604020202020204" pitchFamily="34" charset="0"/>
                 <a:ea typeface="Calibri" panose="020F0502020204030204" pitchFamily="34" charset="0"/>
-                <a:cs typeface="Calibri" panose="020F0502020204030204" pitchFamily="34" charset="0"/>
+                <a:cs typeface="Arial" panose="020B0604020202020204" pitchFamily="34" charset="0"/>
               </a:rPr>
               <a:t>FitHub</a:t>
             </a:r>
-            <a:endParaRPr lang="ru-RU" dirty="0">
-              <a:latin typeface="Calibri" panose="020F0502020204030204" pitchFamily="34" charset="0"/>
+            <a:endParaRPr lang="ru-RU" sz="6600" b="1" dirty="0">
+              <a:latin typeface="Arial" panose="020B0604020202020204" pitchFamily="34" charset="0"/>
               <a:ea typeface="Calibri" panose="020F0502020204030204" pitchFamily="34" charset="0"/>
-              <a:cs typeface="Calibri" panose="020F0502020204030204" pitchFamily="34" charset="0"/>
+              <a:cs typeface="Arial" panose="020B0604020202020204" pitchFamily="34" charset="0"/>
             </a:endParaRPr>
           </a:p>
         </p:txBody>
@@ -3392,50 +3403,31 @@
         </p:nvSpPr>
         <p:spPr>
           <a:xfrm>
-            <a:off x="2801471" y="4507566"/>
-            <a:ext cx="9144000" cy="2245659"/>
+            <a:off x="1524000" y="3570941"/>
+            <a:ext cx="5694947" cy="2245659"/>
           </a:xfrm>
         </p:spPr>
         <p:txBody>
           <a:bodyPr/>
           <a:lstStyle/>
           <a:p>
-            <a:pPr algn="r"/>
-            <a:r>
-              <a:rPr lang="ru-RU" dirty="0"/>
-              <a:t>Выполнили студенты 3-го курса ПИвИС:</a:t>
-            </a:r>
-          </a:p>
-          <a:p>
-            <a:pPr algn="r"/>
-            <a:r>
-              <a:rPr lang="ru-RU" dirty="0"/>
-              <a:t>Максим Путилин</a:t>
-            </a:r>
-          </a:p>
-          <a:p>
-            <a:pPr algn="r"/>
-            <a:r>
-              <a:rPr lang="ru-RU" dirty="0"/>
-              <a:t>Даниил Тернавский</a:t>
-            </a:r>
-            <a:endParaRPr lang="en-US" dirty="0"/>
-          </a:p>
-          <a:p>
-            <a:pPr algn="r"/>
-            <a:r>
-              <a:rPr lang="ru-RU" dirty="0"/>
-              <a:t>Иван Таранцов</a:t>
+            <a:pPr algn="l"/>
+            <a:r>
+              <a:rPr lang="ru-RU" dirty="0">
+                <a:latin typeface="Arial" panose="020B0604020202020204" pitchFamily="34" charset="0"/>
+                <a:cs typeface="Arial" panose="020B0604020202020204" pitchFamily="34" charset="0"/>
+              </a:rPr>
+              <a:t>Приложение для индивидуальных домашних тренировок</a:t>
             </a:r>
           </a:p>
         </p:txBody>
       </p:sp>
       <p:pic>
         <p:nvPicPr>
-          <p:cNvPr id="5" name="Рисунок 4">
-            <a:extLst>
-              <a:ext uri="{FF2B5EF4-FFF2-40B4-BE49-F238E27FC236}">
-                <a16:creationId xmlns:a16="http://schemas.microsoft.com/office/drawing/2014/main" id="{67026552-B9BA-4368-9272-0011BC3B2D3A}"/>
+          <p:cNvPr id="6" name="Рисунок 5">
+            <a:extLst>
+              <a:ext uri="{FF2B5EF4-FFF2-40B4-BE49-F238E27FC236}">
+                <a16:creationId xmlns:a16="http://schemas.microsoft.com/office/drawing/2014/main" id="{CF92C7F6-0D76-4BC4-9267-37FEEE4A582D}"/>
               </a:ext>
             </a:extLst>
           </p:cNvPr>
@@ -3458,8 +3450,8 @@
         </p:blipFill>
         <p:spPr>
           <a:xfrm>
-            <a:off x="1982321" y="1853641"/>
-            <a:ext cx="1246296" cy="1365250"/>
+            <a:off x="8488430" y="2164229"/>
+            <a:ext cx="2179570" cy="2387600"/>
           </a:xfrm>
           <a:prstGeom prst="rect">
             <a:avLst/>
@@ -3470,6 +3462,1458 @@
     <p:extLst>
       <p:ext uri="{BB962C8B-B14F-4D97-AF65-F5344CB8AC3E}">
         <p14:creationId xmlns:p14="http://schemas.microsoft.com/office/powerpoint/2010/main" val="290384326"/>
+      </p:ext>
+    </p:extLst>
+  </p:cSld>
+  <p:clrMapOvr>
+    <a:masterClrMapping/>
+  </p:clrMapOvr>
+</p:sld>
+</file>
+
+<file path=ppt/slides/slide10.xml><?xml version="1.0" encoding="utf-8"?>
+<p:sld xmlns:a="http://schemas.openxmlformats.org/drawingml/2006/main" xmlns:r="http://schemas.openxmlformats.org/officeDocument/2006/relationships" xmlns:p="http://schemas.openxmlformats.org/presentationml/2006/main">
+  <p:cSld>
+    <p:spTree>
+      <p:nvGrpSpPr>
+        <p:cNvPr id="1" name=""/>
+        <p:cNvGrpSpPr/>
+        <p:nvPr/>
+      </p:nvGrpSpPr>
+      <p:grpSpPr>
+        <a:xfrm>
+          <a:off x="0" y="0"/>
+          <a:ext cx="0" cy="0"/>
+          <a:chOff x="0" y="0"/>
+          <a:chExt cx="0" cy="0"/>
+        </a:xfrm>
+      </p:grpSpPr>
+      <p:sp>
+        <p:nvSpPr>
+          <p:cNvPr id="2" name="Заголовок 1">
+            <a:extLst>
+              <a:ext uri="{FF2B5EF4-FFF2-40B4-BE49-F238E27FC236}">
+                <a16:creationId xmlns:a16="http://schemas.microsoft.com/office/drawing/2014/main" id="{3463B57B-F3C3-4599-9524-5130C6D2A6C5}"/>
+              </a:ext>
+            </a:extLst>
+          </p:cNvPr>
+          <p:cNvSpPr>
+            <a:spLocks noGrp="1"/>
+          </p:cNvSpPr>
+          <p:nvPr>
+            <p:ph type="title"/>
+          </p:nvPr>
+        </p:nvSpPr>
+        <p:spPr/>
+        <p:txBody>
+          <a:bodyPr/>
+          <a:lstStyle/>
+          <a:p>
+            <a:r>
+              <a:rPr lang="ru-RU" b="1" dirty="0">
+                <a:latin typeface="Arial" panose="020B0604020202020204" pitchFamily="34" charset="0"/>
+                <a:cs typeface="Arial" panose="020B0604020202020204" pitchFamily="34" charset="0"/>
+              </a:rPr>
+              <a:t>Используемые технологии</a:t>
+            </a:r>
+          </a:p>
+        </p:txBody>
+      </p:sp>
+      <p:sp>
+        <p:nvSpPr>
+          <p:cNvPr id="3" name="Объект 2">
+            <a:extLst>
+              <a:ext uri="{FF2B5EF4-FFF2-40B4-BE49-F238E27FC236}">
+                <a16:creationId xmlns:a16="http://schemas.microsoft.com/office/drawing/2014/main" id="{253E107C-EF4A-490A-8905-A848BAAE1927}"/>
+              </a:ext>
+            </a:extLst>
+          </p:cNvPr>
+          <p:cNvSpPr>
+            <a:spLocks noGrp="1"/>
+          </p:cNvSpPr>
+          <p:nvPr>
+            <p:ph idx="1"/>
+          </p:nvPr>
+        </p:nvSpPr>
+        <p:spPr>
+          <a:xfrm>
+            <a:off x="838200" y="1690689"/>
+            <a:ext cx="10515600" cy="534352"/>
+          </a:xfrm>
+        </p:spPr>
+        <p:txBody>
+          <a:bodyPr>
+            <a:normAutofit/>
+          </a:bodyPr>
+          <a:lstStyle/>
+          <a:p>
+            <a:pPr marL="0" indent="0">
+              <a:buNone/>
+            </a:pPr>
+            <a:r>
+              <a:rPr lang="ru-RU" b="1" dirty="0">
+                <a:latin typeface="Arial" panose="020B0604020202020204" pitchFamily="34" charset="0"/>
+                <a:cs typeface="Arial" panose="020B0604020202020204" pitchFamily="34" charset="0"/>
+              </a:rPr>
+              <a:t>Дополнительные технологии и сервисы</a:t>
+            </a:r>
+          </a:p>
+        </p:txBody>
+      </p:sp>
+      <p:sp>
+        <p:nvSpPr>
+          <p:cNvPr id="6" name="TextBox 5">
+            <a:extLst>
+              <a:ext uri="{FF2B5EF4-FFF2-40B4-BE49-F238E27FC236}">
+                <a16:creationId xmlns:a16="http://schemas.microsoft.com/office/drawing/2014/main" id="{5DD52684-6950-4690-8934-5064C106BEDB}"/>
+              </a:ext>
+            </a:extLst>
+          </p:cNvPr>
+          <p:cNvSpPr txBox="1"/>
+          <p:nvPr/>
+        </p:nvSpPr>
+        <p:spPr>
+          <a:xfrm>
+            <a:off x="6164989" y="2633037"/>
+            <a:ext cx="1677254" cy="523220"/>
+          </a:xfrm>
+          <a:prstGeom prst="rect">
+            <a:avLst/>
+          </a:prstGeom>
+          <a:noFill/>
+        </p:spPr>
+        <p:txBody>
+          <a:bodyPr wrap="none" rtlCol="0">
+            <a:spAutoFit/>
+          </a:bodyPr>
+          <a:lstStyle/>
+          <a:p>
+            <a:r>
+              <a:rPr lang="en-US" sz="2800" dirty="0" err="1">
+                <a:latin typeface="Arial" panose="020B0604020202020204" pitchFamily="34" charset="0"/>
+                <a:cs typeface="Arial" panose="020B0604020202020204" pitchFamily="34" charset="0"/>
+              </a:rPr>
+              <a:t>YouTrack</a:t>
+            </a:r>
+            <a:endParaRPr lang="en-US" sz="2800" dirty="0">
+              <a:latin typeface="Arial" panose="020B0604020202020204" pitchFamily="34" charset="0"/>
+              <a:cs typeface="Arial" panose="020B0604020202020204" pitchFamily="34" charset="0"/>
+            </a:endParaRPr>
+          </a:p>
+        </p:txBody>
+      </p:sp>
+      <p:pic>
+        <p:nvPicPr>
+          <p:cNvPr id="5" name="Рисунок 4">
+            <a:extLst>
+              <a:ext uri="{FF2B5EF4-FFF2-40B4-BE49-F238E27FC236}">
+                <a16:creationId xmlns:a16="http://schemas.microsoft.com/office/drawing/2014/main" id="{10BFD34B-0DEE-4B1E-947D-8E66616D36BB}"/>
+              </a:ext>
+            </a:extLst>
+          </p:cNvPr>
+          <p:cNvPicPr>
+            <a:picLocks noChangeAspect="1"/>
+          </p:cNvPicPr>
+          <p:nvPr/>
+        </p:nvPicPr>
+        <p:blipFill>
+          <a:blip r:embed="rId2">
+            <a:extLst>
+              <a:ext uri="{28A0092B-C50C-407E-A947-70E740481C1C}">
+                <a14:useLocalDpi xmlns:a14="http://schemas.microsoft.com/office/drawing/2010/main" val="0"/>
+              </a:ext>
+            </a:extLst>
+          </a:blip>
+          <a:stretch>
+            <a:fillRect/>
+          </a:stretch>
+        </p:blipFill>
+        <p:spPr>
+          <a:xfrm>
+            <a:off x="6130985" y="3429000"/>
+            <a:ext cx="1745262" cy="1745262"/>
+          </a:xfrm>
+          <a:prstGeom prst="rect">
+            <a:avLst/>
+          </a:prstGeom>
+        </p:spPr>
+      </p:pic>
+      <p:pic>
+        <p:nvPicPr>
+          <p:cNvPr id="9" name="Рисунок 8">
+            <a:extLst>
+              <a:ext uri="{FF2B5EF4-FFF2-40B4-BE49-F238E27FC236}">
+                <a16:creationId xmlns:a16="http://schemas.microsoft.com/office/drawing/2014/main" id="{46C2A464-742F-420D-B5AF-FC91F88CEE6B}"/>
+              </a:ext>
+            </a:extLst>
+          </p:cNvPr>
+          <p:cNvPicPr>
+            <a:picLocks noChangeAspect="1"/>
+          </p:cNvPicPr>
+          <p:nvPr/>
+        </p:nvPicPr>
+        <p:blipFill>
+          <a:blip r:embed="rId3">
+            <a:extLst>
+              <a:ext uri="{28A0092B-C50C-407E-A947-70E740481C1C}">
+                <a14:useLocalDpi xmlns:a14="http://schemas.microsoft.com/office/drawing/2010/main" val="0"/>
+              </a:ext>
+            </a:extLst>
+          </a:blip>
+          <a:stretch>
+            <a:fillRect/>
+          </a:stretch>
+        </p:blipFill>
+        <p:spPr>
+          <a:xfrm>
+            <a:off x="8168675" y="3413807"/>
+            <a:ext cx="1745262" cy="1745262"/>
+          </a:xfrm>
+          <a:prstGeom prst="rect">
+            <a:avLst/>
+          </a:prstGeom>
+        </p:spPr>
+      </p:pic>
+      <p:pic>
+        <p:nvPicPr>
+          <p:cNvPr id="12" name="Рисунок 11">
+            <a:extLst>
+              <a:ext uri="{FF2B5EF4-FFF2-40B4-BE49-F238E27FC236}">
+                <a16:creationId xmlns:a16="http://schemas.microsoft.com/office/drawing/2014/main" id="{1A021D03-7A33-444B-AF98-6F5DE9EF2460}"/>
+              </a:ext>
+            </a:extLst>
+          </p:cNvPr>
+          <p:cNvPicPr>
+            <a:picLocks noChangeAspect="1"/>
+          </p:cNvPicPr>
+          <p:nvPr/>
+        </p:nvPicPr>
+        <p:blipFill>
+          <a:blip r:embed="rId4">
+            <a:extLst>
+              <a:ext uri="{28A0092B-C50C-407E-A947-70E740481C1C}">
+                <a14:useLocalDpi xmlns:a14="http://schemas.microsoft.com/office/drawing/2010/main" val="0"/>
+              </a:ext>
+              <a:ext uri="{96DAC541-7B7A-43D3-8B79-37D633B846F1}">
+                <asvg:svgBlip xmlns:asvg="http://schemas.microsoft.com/office/drawing/2016/SVG/main" r:embed="rId5"/>
+              </a:ext>
+            </a:extLst>
+          </a:blip>
+          <a:stretch>
+            <a:fillRect/>
+          </a:stretch>
+        </p:blipFill>
+        <p:spPr>
+          <a:xfrm>
+            <a:off x="374449" y="3422049"/>
+            <a:ext cx="1745263" cy="1745263"/>
+          </a:xfrm>
+          <a:prstGeom prst="rect">
+            <a:avLst/>
+          </a:prstGeom>
+        </p:spPr>
+      </p:pic>
+      <p:pic>
+        <p:nvPicPr>
+          <p:cNvPr id="16" name="Рисунок 15">
+            <a:extLst>
+              <a:ext uri="{FF2B5EF4-FFF2-40B4-BE49-F238E27FC236}">
+                <a16:creationId xmlns:a16="http://schemas.microsoft.com/office/drawing/2014/main" id="{7946A649-ECAB-4225-A3F7-FBC154E098A1}"/>
+              </a:ext>
+            </a:extLst>
+          </p:cNvPr>
+          <p:cNvPicPr>
+            <a:picLocks noChangeAspect="1"/>
+          </p:cNvPicPr>
+          <p:nvPr/>
+        </p:nvPicPr>
+        <p:blipFill>
+          <a:blip r:embed="rId6">
+            <a:extLst>
+              <a:ext uri="{28A0092B-C50C-407E-A947-70E740481C1C}">
+                <a14:useLocalDpi xmlns:a14="http://schemas.microsoft.com/office/drawing/2010/main" val="0"/>
+              </a:ext>
+              <a:ext uri="{96DAC541-7B7A-43D3-8B79-37D633B846F1}">
+                <asvg:svgBlip xmlns:asvg="http://schemas.microsoft.com/office/drawing/2016/SVG/main" r:embed="rId7"/>
+              </a:ext>
+            </a:extLst>
+          </a:blip>
+          <a:stretch>
+            <a:fillRect/>
+          </a:stretch>
+        </p:blipFill>
+        <p:spPr>
+          <a:xfrm>
+            <a:off x="10202241" y="3413807"/>
+            <a:ext cx="1745263" cy="1745263"/>
+          </a:xfrm>
+          <a:prstGeom prst="rect">
+            <a:avLst/>
+          </a:prstGeom>
+        </p:spPr>
+      </p:pic>
+      <p:pic>
+        <p:nvPicPr>
+          <p:cNvPr id="19" name="Рисунок 18">
+            <a:extLst>
+              <a:ext uri="{FF2B5EF4-FFF2-40B4-BE49-F238E27FC236}">
+                <a16:creationId xmlns:a16="http://schemas.microsoft.com/office/drawing/2014/main" id="{8300C3FF-E6CF-4985-B893-AE024953F570}"/>
+              </a:ext>
+            </a:extLst>
+          </p:cNvPr>
+          <p:cNvPicPr>
+            <a:picLocks noChangeAspect="1"/>
+          </p:cNvPicPr>
+          <p:nvPr/>
+        </p:nvPicPr>
+        <p:blipFill>
+          <a:blip r:embed="rId8">
+            <a:extLst>
+              <a:ext uri="{28A0092B-C50C-407E-A947-70E740481C1C}">
+                <a14:useLocalDpi xmlns:a14="http://schemas.microsoft.com/office/drawing/2010/main" val="0"/>
+              </a:ext>
+              <a:ext uri="{96DAC541-7B7A-43D3-8B79-37D633B846F1}">
+                <asvg:svgBlip xmlns:asvg="http://schemas.microsoft.com/office/drawing/2016/SVG/main" r:embed="rId9"/>
+              </a:ext>
+            </a:extLst>
+          </a:blip>
+          <a:stretch>
+            <a:fillRect/>
+          </a:stretch>
+        </p:blipFill>
+        <p:spPr>
+          <a:xfrm>
+            <a:off x="2278063" y="3434785"/>
+            <a:ext cx="1775716" cy="1739477"/>
+          </a:xfrm>
+          <a:prstGeom prst="rect">
+            <a:avLst/>
+          </a:prstGeom>
+        </p:spPr>
+      </p:pic>
+      <p:pic>
+        <p:nvPicPr>
+          <p:cNvPr id="24" name="Рисунок 23">
+            <a:extLst>
+              <a:ext uri="{FF2B5EF4-FFF2-40B4-BE49-F238E27FC236}">
+                <a16:creationId xmlns:a16="http://schemas.microsoft.com/office/drawing/2014/main" id="{3C2A7091-E828-4F00-ABB0-CC5F975606B9}"/>
+              </a:ext>
+            </a:extLst>
+          </p:cNvPr>
+          <p:cNvPicPr>
+            <a:picLocks noChangeAspect="1"/>
+          </p:cNvPicPr>
+          <p:nvPr/>
+        </p:nvPicPr>
+        <p:blipFill>
+          <a:blip r:embed="rId10">
+            <a:extLst>
+              <a:ext uri="{28A0092B-C50C-407E-A947-70E740481C1C}">
+                <a14:useLocalDpi xmlns:a14="http://schemas.microsoft.com/office/drawing/2010/main" val="0"/>
+              </a:ext>
+            </a:extLst>
+          </a:blip>
+          <a:stretch>
+            <a:fillRect/>
+          </a:stretch>
+        </p:blipFill>
+        <p:spPr>
+          <a:xfrm>
+            <a:off x="3896405" y="3429000"/>
+            <a:ext cx="2327016" cy="1745262"/>
+          </a:xfrm>
+          <a:prstGeom prst="rect">
+            <a:avLst/>
+          </a:prstGeom>
+        </p:spPr>
+      </p:pic>
+      <p:sp>
+        <p:nvSpPr>
+          <p:cNvPr id="27" name="TextBox 26">
+            <a:extLst>
+              <a:ext uri="{FF2B5EF4-FFF2-40B4-BE49-F238E27FC236}">
+                <a16:creationId xmlns:a16="http://schemas.microsoft.com/office/drawing/2014/main" id="{EF327D6A-0365-487C-BCA4-DE13A9EC9C2E}"/>
+              </a:ext>
+            </a:extLst>
+          </p:cNvPr>
+          <p:cNvSpPr txBox="1"/>
+          <p:nvPr/>
+        </p:nvSpPr>
+        <p:spPr>
+          <a:xfrm>
+            <a:off x="8598716" y="2617844"/>
+            <a:ext cx="885179" cy="523220"/>
+          </a:xfrm>
+          <a:prstGeom prst="rect">
+            <a:avLst/>
+          </a:prstGeom>
+          <a:noFill/>
+        </p:spPr>
+        <p:txBody>
+          <a:bodyPr wrap="none" rtlCol="0">
+            <a:spAutoFit/>
+          </a:bodyPr>
+          <a:lstStyle/>
+          <a:p>
+            <a:r>
+              <a:rPr lang="en-US" sz="2800" dirty="0">
+                <a:latin typeface="Arial" panose="020B0604020202020204" pitchFamily="34" charset="0"/>
+                <a:cs typeface="Arial" panose="020B0604020202020204" pitchFamily="34" charset="0"/>
+              </a:rPr>
+              <a:t>Miro</a:t>
+            </a:r>
+          </a:p>
+        </p:txBody>
+      </p:sp>
+      <p:sp>
+        <p:nvSpPr>
+          <p:cNvPr id="28" name="TextBox 27">
+            <a:extLst>
+              <a:ext uri="{FF2B5EF4-FFF2-40B4-BE49-F238E27FC236}">
+                <a16:creationId xmlns:a16="http://schemas.microsoft.com/office/drawing/2014/main" id="{8FE4631F-8982-4048-9842-3C27A274853D}"/>
+              </a:ext>
+            </a:extLst>
+          </p:cNvPr>
+          <p:cNvSpPr txBox="1"/>
+          <p:nvPr/>
+        </p:nvSpPr>
+        <p:spPr>
+          <a:xfrm>
+            <a:off x="925517" y="2626087"/>
+            <a:ext cx="643125" cy="523220"/>
+          </a:xfrm>
+          <a:prstGeom prst="rect">
+            <a:avLst/>
+          </a:prstGeom>
+          <a:noFill/>
+        </p:spPr>
+        <p:txBody>
+          <a:bodyPr wrap="none" rtlCol="0">
+            <a:spAutoFit/>
+          </a:bodyPr>
+          <a:lstStyle/>
+          <a:p>
+            <a:r>
+              <a:rPr lang="en-US" sz="2800" dirty="0">
+                <a:latin typeface="Arial" panose="020B0604020202020204" pitchFamily="34" charset="0"/>
+                <a:cs typeface="Arial" panose="020B0604020202020204" pitchFamily="34" charset="0"/>
+              </a:rPr>
+              <a:t>Git</a:t>
+            </a:r>
+          </a:p>
+        </p:txBody>
+      </p:sp>
+      <p:sp>
+        <p:nvSpPr>
+          <p:cNvPr id="29" name="TextBox 28">
+            <a:extLst>
+              <a:ext uri="{FF2B5EF4-FFF2-40B4-BE49-F238E27FC236}">
+                <a16:creationId xmlns:a16="http://schemas.microsoft.com/office/drawing/2014/main" id="{CB016E40-5426-4F4B-AC17-5B63FB78CCD9}"/>
+              </a:ext>
+            </a:extLst>
+          </p:cNvPr>
+          <p:cNvSpPr txBox="1"/>
+          <p:nvPr/>
+        </p:nvSpPr>
+        <p:spPr>
+          <a:xfrm>
+            <a:off x="10382503" y="2617844"/>
+            <a:ext cx="1384738" cy="523220"/>
+          </a:xfrm>
+          <a:prstGeom prst="rect">
+            <a:avLst/>
+          </a:prstGeom>
+          <a:noFill/>
+        </p:spPr>
+        <p:txBody>
+          <a:bodyPr wrap="none" rtlCol="0">
+            <a:spAutoFit/>
+          </a:bodyPr>
+          <a:lstStyle/>
+          <a:p>
+            <a:r>
+              <a:rPr lang="en-US" sz="2800" dirty="0">
+                <a:latin typeface="Arial" panose="020B0604020202020204" pitchFamily="34" charset="0"/>
+                <a:cs typeface="Arial" panose="020B0604020202020204" pitchFamily="34" charset="0"/>
+              </a:rPr>
+              <a:t>Draw.io</a:t>
+            </a:r>
+          </a:p>
+        </p:txBody>
+      </p:sp>
+      <p:sp>
+        <p:nvSpPr>
+          <p:cNvPr id="30" name="TextBox 29">
+            <a:extLst>
+              <a:ext uri="{FF2B5EF4-FFF2-40B4-BE49-F238E27FC236}">
+                <a16:creationId xmlns:a16="http://schemas.microsoft.com/office/drawing/2014/main" id="{7208AD6E-8448-48EE-A804-722D6D3A0594}"/>
+              </a:ext>
+            </a:extLst>
+          </p:cNvPr>
+          <p:cNvSpPr txBox="1"/>
+          <p:nvPr/>
+        </p:nvSpPr>
+        <p:spPr>
+          <a:xfrm>
+            <a:off x="4467443" y="2633037"/>
+            <a:ext cx="1184940" cy="523220"/>
+          </a:xfrm>
+          <a:prstGeom prst="rect">
+            <a:avLst/>
+          </a:prstGeom>
+          <a:noFill/>
+        </p:spPr>
+        <p:txBody>
+          <a:bodyPr wrap="none" rtlCol="0">
+            <a:spAutoFit/>
+          </a:bodyPr>
+          <a:lstStyle/>
+          <a:p>
+            <a:r>
+              <a:rPr lang="en-US" sz="2800" dirty="0" err="1">
+                <a:latin typeface="Arial" panose="020B0604020202020204" pitchFamily="34" charset="0"/>
+                <a:cs typeface="Arial" panose="020B0604020202020204" pitchFamily="34" charset="0"/>
+              </a:rPr>
+              <a:t>Figma</a:t>
+            </a:r>
+            <a:endParaRPr lang="en-US" sz="2800" dirty="0">
+              <a:latin typeface="Arial" panose="020B0604020202020204" pitchFamily="34" charset="0"/>
+              <a:cs typeface="Arial" panose="020B0604020202020204" pitchFamily="34" charset="0"/>
+            </a:endParaRPr>
+          </a:p>
+        </p:txBody>
+      </p:sp>
+      <p:sp>
+        <p:nvSpPr>
+          <p:cNvPr id="31" name="TextBox 30">
+            <a:extLst>
+              <a:ext uri="{FF2B5EF4-FFF2-40B4-BE49-F238E27FC236}">
+                <a16:creationId xmlns:a16="http://schemas.microsoft.com/office/drawing/2014/main" id="{872D0640-5DC3-4869-966D-5671DCC27305}"/>
+              </a:ext>
+            </a:extLst>
+          </p:cNvPr>
+          <p:cNvSpPr txBox="1"/>
+          <p:nvPr/>
+        </p:nvSpPr>
+        <p:spPr>
+          <a:xfrm>
+            <a:off x="2514140" y="2641278"/>
+            <a:ext cx="1303562" cy="523220"/>
+          </a:xfrm>
+          <a:prstGeom prst="rect">
+            <a:avLst/>
+          </a:prstGeom>
+          <a:noFill/>
+        </p:spPr>
+        <p:txBody>
+          <a:bodyPr wrap="none" rtlCol="0">
+            <a:spAutoFit/>
+          </a:bodyPr>
+          <a:lstStyle/>
+          <a:p>
+            <a:r>
+              <a:rPr lang="en-US" sz="2800" dirty="0">
+                <a:latin typeface="Arial" panose="020B0604020202020204" pitchFamily="34" charset="0"/>
+                <a:cs typeface="Arial" panose="020B0604020202020204" pitchFamily="34" charset="0"/>
+              </a:rPr>
+              <a:t>GitHub</a:t>
+            </a:r>
+          </a:p>
+        </p:txBody>
+      </p:sp>
+    </p:spTree>
+    <p:extLst>
+      <p:ext uri="{BB962C8B-B14F-4D97-AF65-F5344CB8AC3E}">
+        <p14:creationId xmlns:p14="http://schemas.microsoft.com/office/powerpoint/2010/main" val="1881984623"/>
+      </p:ext>
+    </p:extLst>
+  </p:cSld>
+  <p:clrMapOvr>
+    <a:masterClrMapping/>
+  </p:clrMapOvr>
+</p:sld>
+</file>
+
+<file path=ppt/slides/slide11.xml><?xml version="1.0" encoding="utf-8"?>
+<p:sld xmlns:a="http://schemas.openxmlformats.org/drawingml/2006/main" xmlns:r="http://schemas.openxmlformats.org/officeDocument/2006/relationships" xmlns:p="http://schemas.openxmlformats.org/presentationml/2006/main">
+  <p:cSld>
+    <p:spTree>
+      <p:nvGrpSpPr>
+        <p:cNvPr id="1" name=""/>
+        <p:cNvGrpSpPr/>
+        <p:nvPr/>
+      </p:nvGrpSpPr>
+      <p:grpSpPr>
+        <a:xfrm>
+          <a:off x="0" y="0"/>
+          <a:ext cx="0" cy="0"/>
+          <a:chOff x="0" y="0"/>
+          <a:chExt cx="0" cy="0"/>
+        </a:xfrm>
+      </p:grpSpPr>
+      <p:sp>
+        <p:nvSpPr>
+          <p:cNvPr id="2" name="Заголовок 1">
+            <a:extLst>
+              <a:ext uri="{FF2B5EF4-FFF2-40B4-BE49-F238E27FC236}">
+                <a16:creationId xmlns:a16="http://schemas.microsoft.com/office/drawing/2014/main" id="{2C89108A-4DD5-4257-BB06-54967AA65898}"/>
+              </a:ext>
+            </a:extLst>
+          </p:cNvPr>
+          <p:cNvSpPr>
+            <a:spLocks noGrp="1"/>
+          </p:cNvSpPr>
+          <p:nvPr>
+            <p:ph type="title"/>
+          </p:nvPr>
+        </p:nvSpPr>
+        <p:spPr/>
+        <p:txBody>
+          <a:bodyPr/>
+          <a:lstStyle/>
+          <a:p>
+            <a:r>
+              <a:rPr lang="ru-RU" b="1" dirty="0">
+                <a:latin typeface="Arial" panose="020B0604020202020204" pitchFamily="34" charset="0"/>
+                <a:cs typeface="Arial" panose="020B0604020202020204" pitchFamily="34" charset="0"/>
+              </a:rPr>
+              <a:t>Демонстрация проекта</a:t>
+            </a:r>
+          </a:p>
+        </p:txBody>
+      </p:sp>
+      <p:sp>
+        <p:nvSpPr>
+          <p:cNvPr id="5" name="Объект 4">
+            <a:extLst>
+              <a:ext uri="{FF2B5EF4-FFF2-40B4-BE49-F238E27FC236}">
+                <a16:creationId xmlns:a16="http://schemas.microsoft.com/office/drawing/2014/main" id="{70D53086-0806-4A30-A547-9EF74A059F50}"/>
+              </a:ext>
+            </a:extLst>
+          </p:cNvPr>
+          <p:cNvSpPr>
+            <a:spLocks noGrp="1"/>
+          </p:cNvSpPr>
+          <p:nvPr>
+            <p:ph idx="1"/>
+          </p:nvPr>
+        </p:nvSpPr>
+        <p:spPr/>
+        <p:txBody>
+          <a:bodyPr/>
+          <a:lstStyle/>
+          <a:p>
+            <a:endParaRPr lang="ru-RU"/>
+          </a:p>
+        </p:txBody>
+      </p:sp>
+      <p:pic>
+        <p:nvPicPr>
+          <p:cNvPr id="6" name="Рисунок 5">
+            <a:extLst>
+              <a:ext uri="{FF2B5EF4-FFF2-40B4-BE49-F238E27FC236}">
+                <a16:creationId xmlns:a16="http://schemas.microsoft.com/office/drawing/2014/main" id="{D2944B07-C755-42EB-866A-098AEE0605FB}"/>
+              </a:ext>
+            </a:extLst>
+          </p:cNvPr>
+          <p:cNvPicPr>
+            <a:picLocks noChangeAspect="1"/>
+          </p:cNvPicPr>
+          <p:nvPr/>
+        </p:nvPicPr>
+        <p:blipFill>
+          <a:blip r:embed="rId2"/>
+          <a:stretch>
+            <a:fillRect/>
+          </a:stretch>
+        </p:blipFill>
+        <p:spPr>
+          <a:xfrm>
+            <a:off x="1790327" y="1673182"/>
+            <a:ext cx="8611346" cy="4656223"/>
+          </a:xfrm>
+          <a:prstGeom prst="rect">
+            <a:avLst/>
+          </a:prstGeom>
+        </p:spPr>
+      </p:pic>
+    </p:spTree>
+    <p:extLst>
+      <p:ext uri="{BB962C8B-B14F-4D97-AF65-F5344CB8AC3E}">
+        <p14:creationId xmlns:p14="http://schemas.microsoft.com/office/powerpoint/2010/main" val="1747659234"/>
+      </p:ext>
+    </p:extLst>
+  </p:cSld>
+  <p:clrMapOvr>
+    <a:masterClrMapping/>
+  </p:clrMapOvr>
+</p:sld>
+</file>
+
+<file path=ppt/slides/slide12.xml><?xml version="1.0" encoding="utf-8"?>
+<p:sld xmlns:a="http://schemas.openxmlformats.org/drawingml/2006/main" xmlns:r="http://schemas.openxmlformats.org/officeDocument/2006/relationships" xmlns:p="http://schemas.openxmlformats.org/presentationml/2006/main">
+  <p:cSld>
+    <p:spTree>
+      <p:nvGrpSpPr>
+        <p:cNvPr id="1" name=""/>
+        <p:cNvGrpSpPr/>
+        <p:nvPr/>
+      </p:nvGrpSpPr>
+      <p:grpSpPr>
+        <a:xfrm>
+          <a:off x="0" y="0"/>
+          <a:ext cx="0" cy="0"/>
+          <a:chOff x="0" y="0"/>
+          <a:chExt cx="0" cy="0"/>
+        </a:xfrm>
+      </p:grpSpPr>
+      <p:sp>
+        <p:nvSpPr>
+          <p:cNvPr id="2" name="Заголовок 1">
+            <a:extLst>
+              <a:ext uri="{FF2B5EF4-FFF2-40B4-BE49-F238E27FC236}">
+                <a16:creationId xmlns:a16="http://schemas.microsoft.com/office/drawing/2014/main" id="{2C89108A-4DD5-4257-BB06-54967AA65898}"/>
+              </a:ext>
+            </a:extLst>
+          </p:cNvPr>
+          <p:cNvSpPr>
+            <a:spLocks noGrp="1"/>
+          </p:cNvSpPr>
+          <p:nvPr>
+            <p:ph type="title"/>
+          </p:nvPr>
+        </p:nvSpPr>
+        <p:spPr/>
+        <p:txBody>
+          <a:bodyPr/>
+          <a:lstStyle/>
+          <a:p>
+            <a:r>
+              <a:rPr lang="ru-RU" b="1" dirty="0">
+                <a:latin typeface="Arial" panose="020B0604020202020204" pitchFamily="34" charset="0"/>
+                <a:cs typeface="Arial" panose="020B0604020202020204" pitchFamily="34" charset="0"/>
+              </a:rPr>
+              <a:t>Бизнес-модель</a:t>
+            </a:r>
+          </a:p>
+        </p:txBody>
+      </p:sp>
+      <p:sp>
+        <p:nvSpPr>
+          <p:cNvPr id="3" name="Объект 2">
+            <a:extLst>
+              <a:ext uri="{FF2B5EF4-FFF2-40B4-BE49-F238E27FC236}">
+                <a16:creationId xmlns:a16="http://schemas.microsoft.com/office/drawing/2014/main" id="{0D76223C-AA72-40A2-AB72-43C474E8A15B}"/>
+              </a:ext>
+            </a:extLst>
+          </p:cNvPr>
+          <p:cNvSpPr>
+            <a:spLocks noGrp="1"/>
+          </p:cNvSpPr>
+          <p:nvPr>
+            <p:ph idx="1"/>
+          </p:nvPr>
+        </p:nvSpPr>
+        <p:spPr/>
+        <p:txBody>
+          <a:bodyPr/>
+          <a:lstStyle/>
+          <a:p>
+            <a:pPr marL="0" indent="0">
+              <a:buNone/>
+            </a:pPr>
+            <a:r>
+              <a:rPr lang="ru-RU" dirty="0">
+                <a:latin typeface="Arial" panose="020B0604020202020204" pitchFamily="34" charset="0"/>
+                <a:cs typeface="Arial" panose="020B0604020202020204" pitchFamily="34" charset="0"/>
+              </a:rPr>
+              <a:t>Заработок будет осуществляться через премиум подписки для доступа к эксклюзивным курсам тренировок</a:t>
+            </a:r>
+          </a:p>
+        </p:txBody>
+      </p:sp>
+    </p:spTree>
+    <p:extLst>
+      <p:ext uri="{BB962C8B-B14F-4D97-AF65-F5344CB8AC3E}">
+        <p14:creationId xmlns:p14="http://schemas.microsoft.com/office/powerpoint/2010/main" val="3677777870"/>
+      </p:ext>
+    </p:extLst>
+  </p:cSld>
+  <p:clrMapOvr>
+    <a:masterClrMapping/>
+  </p:clrMapOvr>
+</p:sld>
+</file>
+
+<file path=ppt/slides/slide13.xml><?xml version="1.0" encoding="utf-8"?>
+<p:sld xmlns:a="http://schemas.openxmlformats.org/drawingml/2006/main" xmlns:r="http://schemas.openxmlformats.org/officeDocument/2006/relationships" xmlns:p="http://schemas.openxmlformats.org/presentationml/2006/main">
+  <p:cSld>
+    <p:spTree>
+      <p:nvGrpSpPr>
+        <p:cNvPr id="1" name=""/>
+        <p:cNvGrpSpPr/>
+        <p:nvPr/>
+      </p:nvGrpSpPr>
+      <p:grpSpPr>
+        <a:xfrm>
+          <a:off x="0" y="0"/>
+          <a:ext cx="0" cy="0"/>
+          <a:chOff x="0" y="0"/>
+          <a:chExt cx="0" cy="0"/>
+        </a:xfrm>
+      </p:grpSpPr>
+      <p:sp>
+        <p:nvSpPr>
+          <p:cNvPr id="2" name="Заголовок 1">
+            <a:extLst>
+              <a:ext uri="{FF2B5EF4-FFF2-40B4-BE49-F238E27FC236}">
+                <a16:creationId xmlns:a16="http://schemas.microsoft.com/office/drawing/2014/main" id="{2C89108A-4DD5-4257-BB06-54967AA65898}"/>
+              </a:ext>
+            </a:extLst>
+          </p:cNvPr>
+          <p:cNvSpPr>
+            <a:spLocks noGrp="1"/>
+          </p:cNvSpPr>
+          <p:nvPr>
+            <p:ph type="title"/>
+          </p:nvPr>
+        </p:nvSpPr>
+        <p:spPr/>
+        <p:txBody>
+          <a:bodyPr/>
+          <a:lstStyle/>
+          <a:p>
+            <a:r>
+              <a:rPr lang="ru-RU" b="1" dirty="0">
+                <a:latin typeface="Arial" panose="020B0604020202020204" pitchFamily="34" charset="0"/>
+                <a:cs typeface="Arial" panose="020B0604020202020204" pitchFamily="34" charset="0"/>
+              </a:rPr>
+              <a:t>План развития</a:t>
+            </a:r>
+          </a:p>
+        </p:txBody>
+      </p:sp>
+      <p:sp>
+        <p:nvSpPr>
+          <p:cNvPr id="3" name="Объект 2">
+            <a:extLst>
+              <a:ext uri="{FF2B5EF4-FFF2-40B4-BE49-F238E27FC236}">
+                <a16:creationId xmlns:a16="http://schemas.microsoft.com/office/drawing/2014/main" id="{0D76223C-AA72-40A2-AB72-43C474E8A15B}"/>
+              </a:ext>
+            </a:extLst>
+          </p:cNvPr>
+          <p:cNvSpPr>
+            <a:spLocks noGrp="1"/>
+          </p:cNvSpPr>
+          <p:nvPr>
+            <p:ph idx="1"/>
+          </p:nvPr>
+        </p:nvSpPr>
+        <p:spPr>
+          <a:xfrm>
+            <a:off x="838200" y="1825625"/>
+            <a:ext cx="10515600" cy="4667250"/>
+          </a:xfrm>
+        </p:spPr>
+        <p:txBody>
+          <a:bodyPr>
+            <a:normAutofit/>
+          </a:bodyPr>
+          <a:lstStyle/>
+          <a:p>
+            <a:r>
+              <a:rPr lang="ru-RU" b="1" dirty="0">
+                <a:latin typeface="Arial" panose="020B0604020202020204" pitchFamily="34" charset="0"/>
+                <a:cs typeface="Arial" panose="020B0604020202020204" pitchFamily="34" charset="0"/>
+              </a:rPr>
+              <a:t>Краткосрочные цели: </a:t>
+            </a:r>
+            <a:r>
+              <a:rPr lang="ru-RU" dirty="0">
+                <a:latin typeface="Arial" panose="020B0604020202020204" pitchFamily="34" charset="0"/>
+                <a:cs typeface="Arial" panose="020B0604020202020204" pitchFamily="34" charset="0"/>
+              </a:rPr>
+              <a:t>Запуск </a:t>
+            </a:r>
+            <a:r>
+              <a:rPr lang="en-US" dirty="0">
+                <a:latin typeface="Arial" panose="020B0604020202020204" pitchFamily="34" charset="0"/>
+                <a:cs typeface="Arial" panose="020B0604020202020204" pitchFamily="34" charset="0"/>
+              </a:rPr>
+              <a:t>MVP</a:t>
+            </a:r>
+            <a:r>
+              <a:rPr lang="ru-RU" dirty="0">
+                <a:latin typeface="Arial" panose="020B0604020202020204" pitchFamily="34" charset="0"/>
+                <a:cs typeface="Arial" panose="020B0604020202020204" pitchFamily="34" charset="0"/>
+              </a:rPr>
+              <a:t>, привлечение первых активных пользователей, сбор обратной связи для улучшения функционала</a:t>
+            </a:r>
+          </a:p>
+          <a:p>
+            <a:r>
+              <a:rPr lang="ru-RU" b="1" dirty="0">
+                <a:latin typeface="Arial" panose="020B0604020202020204" pitchFamily="34" charset="0"/>
+                <a:cs typeface="Arial" panose="020B0604020202020204" pitchFamily="34" charset="0"/>
+              </a:rPr>
+              <a:t>Долгосрочные цели:</a:t>
+            </a:r>
+            <a:r>
+              <a:rPr lang="ru-RU" dirty="0">
+                <a:latin typeface="Arial" panose="020B0604020202020204" pitchFamily="34" charset="0"/>
+                <a:cs typeface="Arial" panose="020B0604020202020204" pitchFamily="34" charset="0"/>
+              </a:rPr>
+              <a:t> Возможность оплаты через банковские карты, добавление просмотра профилей пользователей и взаимодействий с ними, подсчета калорий, подбор рациона питания, возможности просматривать статьи о здоровье и спорте, интеграции с умными девайсами, занятий с тренером.</a:t>
+            </a:r>
+            <a:endParaRPr lang="ru-RU" b="1" dirty="0">
+              <a:latin typeface="Arial" panose="020B0604020202020204" pitchFamily="34" charset="0"/>
+              <a:cs typeface="Arial" panose="020B0604020202020204" pitchFamily="34" charset="0"/>
+            </a:endParaRPr>
+          </a:p>
+        </p:txBody>
+      </p:sp>
+    </p:spTree>
+    <p:extLst>
+      <p:ext uri="{BB962C8B-B14F-4D97-AF65-F5344CB8AC3E}">
+        <p14:creationId xmlns:p14="http://schemas.microsoft.com/office/powerpoint/2010/main" val="588498276"/>
+      </p:ext>
+    </p:extLst>
+  </p:cSld>
+  <p:clrMapOvr>
+    <a:masterClrMapping/>
+  </p:clrMapOvr>
+</p:sld>
+</file>
+
+<file path=ppt/slides/slide14.xml><?xml version="1.0" encoding="utf-8"?>
+<p:sld xmlns:a="http://schemas.openxmlformats.org/drawingml/2006/main" xmlns:r="http://schemas.openxmlformats.org/officeDocument/2006/relationships" xmlns:p="http://schemas.openxmlformats.org/presentationml/2006/main">
+  <p:cSld>
+    <p:spTree>
+      <p:nvGrpSpPr>
+        <p:cNvPr id="1" name=""/>
+        <p:cNvGrpSpPr/>
+        <p:nvPr/>
+      </p:nvGrpSpPr>
+      <p:grpSpPr>
+        <a:xfrm>
+          <a:off x="0" y="0"/>
+          <a:ext cx="0" cy="0"/>
+          <a:chOff x="0" y="0"/>
+          <a:chExt cx="0" cy="0"/>
+        </a:xfrm>
+      </p:grpSpPr>
+      <p:sp>
+        <p:nvSpPr>
+          <p:cNvPr id="2" name="Заголовок 1">
+            <a:extLst>
+              <a:ext uri="{FF2B5EF4-FFF2-40B4-BE49-F238E27FC236}">
+                <a16:creationId xmlns:a16="http://schemas.microsoft.com/office/drawing/2014/main" id="{2C89108A-4DD5-4257-BB06-54967AA65898}"/>
+              </a:ext>
+            </a:extLst>
+          </p:cNvPr>
+          <p:cNvSpPr>
+            <a:spLocks noGrp="1"/>
+          </p:cNvSpPr>
+          <p:nvPr>
+            <p:ph type="title"/>
+          </p:nvPr>
+        </p:nvSpPr>
+        <p:spPr/>
+        <p:txBody>
+          <a:bodyPr/>
+          <a:lstStyle/>
+          <a:p>
+            <a:r>
+              <a:rPr lang="ru-RU" b="1" dirty="0">
+                <a:latin typeface="Arial" panose="020B0604020202020204" pitchFamily="34" charset="0"/>
+                <a:cs typeface="Arial" panose="020B0604020202020204" pitchFamily="34" charset="0"/>
+              </a:rPr>
+              <a:t>Выводы</a:t>
+            </a:r>
+          </a:p>
+        </p:txBody>
+      </p:sp>
+      <p:sp>
+        <p:nvSpPr>
+          <p:cNvPr id="3" name="Объект 2">
+            <a:extLst>
+              <a:ext uri="{FF2B5EF4-FFF2-40B4-BE49-F238E27FC236}">
+                <a16:creationId xmlns:a16="http://schemas.microsoft.com/office/drawing/2014/main" id="{0D76223C-AA72-40A2-AB72-43C474E8A15B}"/>
+              </a:ext>
+            </a:extLst>
+          </p:cNvPr>
+          <p:cNvSpPr>
+            <a:spLocks noGrp="1"/>
+          </p:cNvSpPr>
+          <p:nvPr>
+            <p:ph idx="1"/>
+          </p:nvPr>
+        </p:nvSpPr>
+        <p:spPr/>
+        <p:txBody>
+          <a:bodyPr/>
+          <a:lstStyle/>
+          <a:p>
+            <a:pPr marL="0" indent="0">
+              <a:buNone/>
+            </a:pPr>
+            <a:r>
+              <a:rPr lang="ru-RU" dirty="0">
+                <a:latin typeface="Arial" panose="020B0604020202020204" pitchFamily="34" charset="0"/>
+                <a:cs typeface="Arial" panose="020B0604020202020204" pitchFamily="34" charset="0"/>
+              </a:rPr>
+              <a:t>Наше приложение предоставляет уникальную возможность не только заниматься спортом, но и персонализировать его под себя! Создавайте персонализированные тренировки, делитесь и делитесь ими со своими друзьями. Присоединяйтесь к нашему приложению, чтобы не просто тренироваться, а быть частью уникального и поддерживаемого сообщества!</a:t>
+            </a:r>
+          </a:p>
+        </p:txBody>
+      </p:sp>
+    </p:spTree>
+    <p:extLst>
+      <p:ext uri="{BB962C8B-B14F-4D97-AF65-F5344CB8AC3E}">
+        <p14:creationId xmlns:p14="http://schemas.microsoft.com/office/powerpoint/2010/main" val="3076716964"/>
+      </p:ext>
+    </p:extLst>
+  </p:cSld>
+  <p:clrMapOvr>
+    <a:masterClrMapping/>
+  </p:clrMapOvr>
+</p:sld>
+</file>
+
+<file path=ppt/slides/slide15.xml><?xml version="1.0" encoding="utf-8"?>
+<p:sld xmlns:a="http://schemas.openxmlformats.org/drawingml/2006/main" xmlns:r="http://schemas.openxmlformats.org/officeDocument/2006/relationships" xmlns:p="http://schemas.openxmlformats.org/presentationml/2006/main">
+  <p:cSld>
+    <p:spTree>
+      <p:nvGrpSpPr>
+        <p:cNvPr id="1" name=""/>
+        <p:cNvGrpSpPr/>
+        <p:nvPr/>
+      </p:nvGrpSpPr>
+      <p:grpSpPr>
+        <a:xfrm>
+          <a:off x="0" y="0"/>
+          <a:ext cx="0" cy="0"/>
+          <a:chOff x="0" y="0"/>
+          <a:chExt cx="0" cy="0"/>
+        </a:xfrm>
+      </p:grpSpPr>
+      <p:sp>
+        <p:nvSpPr>
+          <p:cNvPr id="2" name="Заголовок 1">
+            <a:extLst>
+              <a:ext uri="{FF2B5EF4-FFF2-40B4-BE49-F238E27FC236}">
+                <a16:creationId xmlns:a16="http://schemas.microsoft.com/office/drawing/2014/main" id="{2C89108A-4DD5-4257-BB06-54967AA65898}"/>
+              </a:ext>
+            </a:extLst>
+          </p:cNvPr>
+          <p:cNvSpPr>
+            <a:spLocks noGrp="1"/>
+          </p:cNvSpPr>
+          <p:nvPr>
+            <p:ph type="title"/>
+          </p:nvPr>
+        </p:nvSpPr>
+        <p:spPr/>
+        <p:txBody>
+          <a:bodyPr/>
+          <a:lstStyle/>
+          <a:p>
+            <a:r>
+              <a:rPr lang="ru-RU" b="1" dirty="0">
+                <a:latin typeface="Arial" panose="020B0604020202020204" pitchFamily="34" charset="0"/>
+                <a:cs typeface="Arial" panose="020B0604020202020204" pitchFamily="34" charset="0"/>
+              </a:rPr>
+              <a:t>Обратная связь</a:t>
+            </a:r>
+          </a:p>
+        </p:txBody>
+      </p:sp>
+      <p:sp>
+        <p:nvSpPr>
+          <p:cNvPr id="3" name="Объект 2">
+            <a:extLst>
+              <a:ext uri="{FF2B5EF4-FFF2-40B4-BE49-F238E27FC236}">
+                <a16:creationId xmlns:a16="http://schemas.microsoft.com/office/drawing/2014/main" id="{0D76223C-AA72-40A2-AB72-43C474E8A15B}"/>
+              </a:ext>
+            </a:extLst>
+          </p:cNvPr>
+          <p:cNvSpPr>
+            <a:spLocks noGrp="1"/>
+          </p:cNvSpPr>
+          <p:nvPr>
+            <p:ph idx="1"/>
+          </p:nvPr>
+        </p:nvSpPr>
+        <p:spPr>
+          <a:xfrm>
+            <a:off x="1524000" y="4194493"/>
+            <a:ext cx="2301240" cy="1618615"/>
+          </a:xfrm>
+        </p:spPr>
+        <p:txBody>
+          <a:bodyPr/>
+          <a:lstStyle/>
+          <a:p>
+            <a:pPr marL="0" indent="0">
+              <a:buNone/>
+            </a:pPr>
+            <a:r>
+              <a:rPr lang="en-US" dirty="0">
+                <a:latin typeface="Arial" panose="020B0604020202020204" pitchFamily="34" charset="0"/>
+                <a:cs typeface="Arial" panose="020B0604020202020204" pitchFamily="34" charset="0"/>
+              </a:rPr>
+              <a:t>@</a:t>
+            </a:r>
+            <a:r>
+              <a:rPr lang="en-US" dirty="0" err="1">
+                <a:latin typeface="Arial" panose="020B0604020202020204" pitchFamily="34" charset="0"/>
+                <a:cs typeface="Arial" panose="020B0604020202020204" pitchFamily="34" charset="0"/>
+              </a:rPr>
+              <a:t>lemoner</a:t>
+            </a:r>
+            <a:endParaRPr lang="en-US" dirty="0">
+              <a:latin typeface="Arial" panose="020B0604020202020204" pitchFamily="34" charset="0"/>
+              <a:cs typeface="Arial" panose="020B0604020202020204" pitchFamily="34" charset="0"/>
+            </a:endParaRPr>
+          </a:p>
+          <a:p>
+            <a:pPr marL="0" indent="0">
+              <a:buNone/>
+            </a:pPr>
+            <a:r>
+              <a:rPr lang="en-US" dirty="0">
+                <a:latin typeface="Arial" panose="020B0604020202020204" pitchFamily="34" charset="0"/>
+                <a:cs typeface="Arial" panose="020B0604020202020204" pitchFamily="34" charset="0"/>
+              </a:rPr>
+              <a:t>@</a:t>
+            </a:r>
+            <a:r>
+              <a:rPr lang="en-US" dirty="0" err="1">
+                <a:latin typeface="Arial" panose="020B0604020202020204" pitchFamily="34" charset="0"/>
+                <a:cs typeface="Arial" panose="020B0604020202020204" pitchFamily="34" charset="0"/>
+              </a:rPr>
+              <a:t>Lia_kakoi</a:t>
+            </a:r>
+            <a:endParaRPr lang="en-US" dirty="0">
+              <a:latin typeface="Arial" panose="020B0604020202020204" pitchFamily="34" charset="0"/>
+              <a:cs typeface="Arial" panose="020B0604020202020204" pitchFamily="34" charset="0"/>
+            </a:endParaRPr>
+          </a:p>
+          <a:p>
+            <a:pPr marL="0" indent="0">
+              <a:buNone/>
+            </a:pPr>
+            <a:r>
+              <a:rPr lang="en-US" dirty="0">
+                <a:latin typeface="Arial" panose="020B0604020202020204" pitchFamily="34" charset="0"/>
+                <a:cs typeface="Arial" panose="020B0604020202020204" pitchFamily="34" charset="0"/>
+              </a:rPr>
+              <a:t>@</a:t>
+            </a:r>
+            <a:r>
+              <a:rPr lang="en-US" dirty="0" err="1">
+                <a:latin typeface="Arial" panose="020B0604020202020204" pitchFamily="34" charset="0"/>
+                <a:cs typeface="Arial" panose="020B0604020202020204" pitchFamily="34" charset="0"/>
+              </a:rPr>
+              <a:t>Terichz</a:t>
+            </a:r>
+            <a:endParaRPr lang="ru-RU" dirty="0">
+              <a:latin typeface="Arial" panose="020B0604020202020204" pitchFamily="34" charset="0"/>
+              <a:cs typeface="Arial" panose="020B0604020202020204" pitchFamily="34" charset="0"/>
+            </a:endParaRPr>
+          </a:p>
+        </p:txBody>
+      </p:sp>
+      <p:pic>
+        <p:nvPicPr>
+          <p:cNvPr id="5" name="Рисунок 4">
+            <a:extLst>
+              <a:ext uri="{FF2B5EF4-FFF2-40B4-BE49-F238E27FC236}">
+                <a16:creationId xmlns:a16="http://schemas.microsoft.com/office/drawing/2014/main" id="{346EBBF0-3D7D-42DE-9E23-D39777058823}"/>
+              </a:ext>
+            </a:extLst>
+          </p:cNvPr>
+          <p:cNvPicPr>
+            <a:picLocks noChangeAspect="1"/>
+          </p:cNvPicPr>
+          <p:nvPr/>
+        </p:nvPicPr>
+        <p:blipFill>
+          <a:blip r:embed="rId2">
+            <a:extLst>
+              <a:ext uri="{28A0092B-C50C-407E-A947-70E740481C1C}">
+                <a14:useLocalDpi xmlns:a14="http://schemas.microsoft.com/office/drawing/2010/main" val="0"/>
+              </a:ext>
+            </a:extLst>
+          </a:blip>
+          <a:stretch>
+            <a:fillRect/>
+          </a:stretch>
+        </p:blipFill>
+        <p:spPr>
+          <a:xfrm>
+            <a:off x="1524000" y="1949768"/>
+            <a:ext cx="2125980" cy="2125980"/>
+          </a:xfrm>
+          <a:prstGeom prst="rect">
+            <a:avLst/>
+          </a:prstGeom>
+        </p:spPr>
+      </p:pic>
+      <p:pic>
+        <p:nvPicPr>
+          <p:cNvPr id="6" name="Рисунок 5">
+            <a:extLst>
+              <a:ext uri="{FF2B5EF4-FFF2-40B4-BE49-F238E27FC236}">
+                <a16:creationId xmlns:a16="http://schemas.microsoft.com/office/drawing/2014/main" id="{526C7E80-DFDE-4D63-975A-584BABBF09DA}"/>
+              </a:ext>
+            </a:extLst>
+          </p:cNvPr>
+          <p:cNvPicPr>
+            <a:picLocks noChangeAspect="1"/>
+          </p:cNvPicPr>
+          <p:nvPr/>
+        </p:nvPicPr>
+        <p:blipFill>
+          <a:blip r:embed="rId3"/>
+          <a:stretch>
+            <a:fillRect/>
+          </a:stretch>
+        </p:blipFill>
+        <p:spPr>
+          <a:xfrm>
+            <a:off x="7259888" y="2292536"/>
+            <a:ext cx="3071126" cy="3048264"/>
+          </a:xfrm>
+          <a:prstGeom prst="rect">
+            <a:avLst/>
+          </a:prstGeom>
+        </p:spPr>
+      </p:pic>
+      <p:sp>
+        <p:nvSpPr>
+          <p:cNvPr id="8" name="Объект 2">
+            <a:extLst>
+              <a:ext uri="{FF2B5EF4-FFF2-40B4-BE49-F238E27FC236}">
+                <a16:creationId xmlns:a16="http://schemas.microsoft.com/office/drawing/2014/main" id="{B7016C84-29F9-43AB-886F-BA32493C5AB5}"/>
+              </a:ext>
+            </a:extLst>
+          </p:cNvPr>
+          <p:cNvSpPr txBox="1">
+            <a:spLocks/>
+          </p:cNvSpPr>
+          <p:nvPr/>
+        </p:nvSpPr>
+        <p:spPr>
+          <a:xfrm>
+            <a:off x="5901822" y="1690688"/>
+            <a:ext cx="5787257" cy="600896"/>
+          </a:xfrm>
+          <a:prstGeom prst="rect">
+            <a:avLst/>
+          </a:prstGeom>
+        </p:spPr>
+        <p:txBody>
+          <a:bodyPr vert="horz" lIns="91440" tIns="45720" rIns="91440" bIns="45720" rtlCol="0">
+            <a:normAutofit/>
+          </a:bodyPr>
+          <a:lstStyle>
+            <a:lvl1pPr marL="228600" indent="-228600" algn="l" defTabSz="914400" rtl="0" eaLnBrk="1" latinLnBrk="0" hangingPunct="1">
+              <a:lnSpc>
+                <a:spcPct val="90000"/>
+              </a:lnSpc>
+              <a:spcBef>
+                <a:spcPts val="1000"/>
+              </a:spcBef>
+              <a:buFont typeface="Arial" panose="020B0604020202020204" pitchFamily="34" charset="0"/>
+              <a:buChar char="•"/>
+              <a:defRPr sz="2800" kern="1200">
+                <a:solidFill>
+                  <a:schemeClr val="tx1"/>
+                </a:solidFill>
+                <a:latin typeface="+mn-lt"/>
+                <a:ea typeface="+mn-ea"/>
+                <a:cs typeface="+mn-cs"/>
+              </a:defRPr>
+            </a:lvl1pPr>
+            <a:lvl2pPr marL="685800" indent="-228600" algn="l" defTabSz="914400" rtl="0" eaLnBrk="1" latinLnBrk="0" hangingPunct="1">
+              <a:lnSpc>
+                <a:spcPct val="90000"/>
+              </a:lnSpc>
+              <a:spcBef>
+                <a:spcPts val="500"/>
+              </a:spcBef>
+              <a:buFont typeface="Arial" panose="020B0604020202020204" pitchFamily="34" charset="0"/>
+              <a:buChar char="•"/>
+              <a:defRPr sz="2400" kern="1200">
+                <a:solidFill>
+                  <a:schemeClr val="tx1"/>
+                </a:solidFill>
+                <a:latin typeface="+mn-lt"/>
+                <a:ea typeface="+mn-ea"/>
+                <a:cs typeface="+mn-cs"/>
+              </a:defRPr>
+            </a:lvl2pPr>
+            <a:lvl3pPr marL="1143000" indent="-228600" algn="l" defTabSz="914400" rtl="0" eaLnBrk="1" latinLnBrk="0" hangingPunct="1">
+              <a:lnSpc>
+                <a:spcPct val="90000"/>
+              </a:lnSpc>
+              <a:spcBef>
+                <a:spcPts val="500"/>
+              </a:spcBef>
+              <a:buFont typeface="Arial" panose="020B0604020202020204" pitchFamily="34" charset="0"/>
+              <a:buChar char="•"/>
+              <a:defRPr sz="2000" kern="1200">
+                <a:solidFill>
+                  <a:schemeClr val="tx1"/>
+                </a:solidFill>
+                <a:latin typeface="+mn-lt"/>
+                <a:ea typeface="+mn-ea"/>
+                <a:cs typeface="+mn-cs"/>
+              </a:defRPr>
+            </a:lvl3pPr>
+            <a:lvl4pPr marL="1600200" indent="-228600" algn="l" defTabSz="914400" rtl="0" eaLnBrk="1" latinLnBrk="0" hangingPunct="1">
+              <a:lnSpc>
+                <a:spcPct val="90000"/>
+              </a:lnSpc>
+              <a:spcBef>
+                <a:spcPts val="500"/>
+              </a:spcBef>
+              <a:buFont typeface="Arial" panose="020B0604020202020204" pitchFamily="34" charset="0"/>
+              <a:buChar char="•"/>
+              <a:defRPr sz="1800" kern="1200">
+                <a:solidFill>
+                  <a:schemeClr val="tx1"/>
+                </a:solidFill>
+                <a:latin typeface="+mn-lt"/>
+                <a:ea typeface="+mn-ea"/>
+                <a:cs typeface="+mn-cs"/>
+              </a:defRPr>
+            </a:lvl4pPr>
+            <a:lvl5pPr marL="2057400" indent="-228600" algn="l" defTabSz="914400" rtl="0" eaLnBrk="1" latinLnBrk="0" hangingPunct="1">
+              <a:lnSpc>
+                <a:spcPct val="90000"/>
+              </a:lnSpc>
+              <a:spcBef>
+                <a:spcPts val="500"/>
+              </a:spcBef>
+              <a:buFont typeface="Arial" panose="020B0604020202020204" pitchFamily="34" charset="0"/>
+              <a:buChar char="•"/>
+              <a:defRPr sz="1800" kern="1200">
+                <a:solidFill>
+                  <a:schemeClr val="tx1"/>
+                </a:solidFill>
+                <a:latin typeface="+mn-lt"/>
+                <a:ea typeface="+mn-ea"/>
+                <a:cs typeface="+mn-cs"/>
+              </a:defRPr>
+            </a:lvl5pPr>
+            <a:lvl6pPr marL="2514600" indent="-228600" algn="l" defTabSz="914400" rtl="0" eaLnBrk="1" latinLnBrk="0" hangingPunct="1">
+              <a:lnSpc>
+                <a:spcPct val="90000"/>
+              </a:lnSpc>
+              <a:spcBef>
+                <a:spcPts val="500"/>
+              </a:spcBef>
+              <a:buFont typeface="Arial" panose="020B0604020202020204" pitchFamily="34" charset="0"/>
+              <a:buChar char="•"/>
+              <a:defRPr sz="1800" kern="1200">
+                <a:solidFill>
+                  <a:schemeClr val="tx1"/>
+                </a:solidFill>
+                <a:latin typeface="+mn-lt"/>
+                <a:ea typeface="+mn-ea"/>
+                <a:cs typeface="+mn-cs"/>
+              </a:defRPr>
+            </a:lvl6pPr>
+            <a:lvl7pPr marL="2971800" indent="-228600" algn="l" defTabSz="914400" rtl="0" eaLnBrk="1" latinLnBrk="0" hangingPunct="1">
+              <a:lnSpc>
+                <a:spcPct val="90000"/>
+              </a:lnSpc>
+              <a:spcBef>
+                <a:spcPts val="500"/>
+              </a:spcBef>
+              <a:buFont typeface="Arial" panose="020B0604020202020204" pitchFamily="34" charset="0"/>
+              <a:buChar char="•"/>
+              <a:defRPr sz="1800" kern="1200">
+                <a:solidFill>
+                  <a:schemeClr val="tx1"/>
+                </a:solidFill>
+                <a:latin typeface="+mn-lt"/>
+                <a:ea typeface="+mn-ea"/>
+                <a:cs typeface="+mn-cs"/>
+              </a:defRPr>
+            </a:lvl7pPr>
+            <a:lvl8pPr marL="3429000" indent="-228600" algn="l" defTabSz="914400" rtl="0" eaLnBrk="1" latinLnBrk="0" hangingPunct="1">
+              <a:lnSpc>
+                <a:spcPct val="90000"/>
+              </a:lnSpc>
+              <a:spcBef>
+                <a:spcPts val="500"/>
+              </a:spcBef>
+              <a:buFont typeface="Arial" panose="020B0604020202020204" pitchFamily="34" charset="0"/>
+              <a:buChar char="•"/>
+              <a:defRPr sz="1800" kern="1200">
+                <a:solidFill>
+                  <a:schemeClr val="tx1"/>
+                </a:solidFill>
+                <a:latin typeface="+mn-lt"/>
+                <a:ea typeface="+mn-ea"/>
+                <a:cs typeface="+mn-cs"/>
+              </a:defRPr>
+            </a:lvl8pPr>
+            <a:lvl9pPr marL="3886200" indent="-228600" algn="l" defTabSz="914400" rtl="0" eaLnBrk="1" latinLnBrk="0" hangingPunct="1">
+              <a:lnSpc>
+                <a:spcPct val="90000"/>
+              </a:lnSpc>
+              <a:spcBef>
+                <a:spcPts val="500"/>
+              </a:spcBef>
+              <a:buFont typeface="Arial" panose="020B0604020202020204" pitchFamily="34" charset="0"/>
+              <a:buChar char="•"/>
+              <a:defRPr sz="1800" kern="1200">
+                <a:solidFill>
+                  <a:schemeClr val="tx1"/>
+                </a:solidFill>
+                <a:latin typeface="+mn-lt"/>
+                <a:ea typeface="+mn-ea"/>
+                <a:cs typeface="+mn-cs"/>
+              </a:defRPr>
+            </a:lvl9pPr>
+          </a:lstStyle>
+          <a:p>
+            <a:pPr marL="0" indent="0">
+              <a:buFont typeface="Arial" panose="020B0604020202020204" pitchFamily="34" charset="0"/>
+              <a:buNone/>
+            </a:pPr>
+            <a:r>
+              <a:rPr lang="ru-RU" dirty="0">
+                <a:latin typeface="Arial" panose="020B0604020202020204" pitchFamily="34" charset="0"/>
+                <a:cs typeface="Arial" panose="020B0604020202020204" pitchFamily="34" charset="0"/>
+              </a:rPr>
+              <a:t>Ссылка на </a:t>
+            </a:r>
+            <a:r>
+              <a:rPr lang="en-US" dirty="0">
+                <a:latin typeface="Arial" panose="020B0604020202020204" pitchFamily="34" charset="0"/>
+                <a:cs typeface="Arial" panose="020B0604020202020204" pitchFamily="34" charset="0"/>
+              </a:rPr>
+              <a:t>GitHub</a:t>
+            </a:r>
+            <a:r>
+              <a:rPr lang="ru-RU" dirty="0">
+                <a:latin typeface="Arial" panose="020B0604020202020204" pitchFamily="34" charset="0"/>
+                <a:cs typeface="Arial" panose="020B0604020202020204" pitchFamily="34" charset="0"/>
+              </a:rPr>
+              <a:t> репозиторий:</a:t>
+            </a:r>
+          </a:p>
+        </p:txBody>
+      </p:sp>
+    </p:spTree>
+    <p:extLst>
+      <p:ext uri="{BB962C8B-B14F-4D97-AF65-F5344CB8AC3E}">
+        <p14:creationId xmlns:p14="http://schemas.microsoft.com/office/powerpoint/2010/main" val="47490229"/>
       </p:ext>
     </p:extLst>
   </p:cSld>
@@ -3501,7 +4945,7 @@
           <p:cNvPr id="2" name="Заголовок 1">
             <a:extLst>
               <a:ext uri="{FF2B5EF4-FFF2-40B4-BE49-F238E27FC236}">
-                <a16:creationId xmlns:a16="http://schemas.microsoft.com/office/drawing/2014/main" id="{D400DB3F-C114-4B74-A068-13BB0C15B890}"/>
+                <a16:creationId xmlns:a16="http://schemas.microsoft.com/office/drawing/2014/main" id="{2CAA199E-7E41-4396-95BA-8E1C788A24CB}"/>
               </a:ext>
             </a:extLst>
           </p:cNvPr>
@@ -3518,8 +4962,11 @@
           <a:lstStyle/>
           <a:p>
             <a:r>
-              <a:rPr lang="ru-RU" dirty="0"/>
-              <a:t>Описание проблемы</a:t>
+              <a:rPr lang="ru-RU" b="1" dirty="0">
+                <a:latin typeface="Arial" panose="020B0604020202020204" pitchFamily="34" charset="0"/>
+                <a:cs typeface="Arial" panose="020B0604020202020204" pitchFamily="34" charset="0"/>
+              </a:rPr>
+              <a:t>Команда разработчиков</a:t>
             </a:r>
           </a:p>
         </p:txBody>
@@ -3529,7 +4976,7 @@
           <p:cNvPr id="3" name="Объект 2">
             <a:extLst>
               <a:ext uri="{FF2B5EF4-FFF2-40B4-BE49-F238E27FC236}">
-                <a16:creationId xmlns:a16="http://schemas.microsoft.com/office/drawing/2014/main" id="{3E5003C3-643E-494F-BF0E-9A0BB3DC7D17}"/>
+                <a16:creationId xmlns:a16="http://schemas.microsoft.com/office/drawing/2014/main" id="{87081AE0-C5B1-4387-8C37-F8594944CEDF}"/>
               </a:ext>
             </a:extLst>
           </p:cNvPr>
@@ -3542,23 +4989,111 @@
         </p:nvSpPr>
         <p:spPr/>
         <p:txBody>
-          <a:bodyPr/>
-          <a:lstStyle/>
-          <a:p>
-            <a:pPr marL="0" indent="0">
-              <a:buNone/>
-            </a:pPr>
-            <a:r>
-              <a:rPr lang="ru-RU" dirty="0"/>
-              <a:t>У многих людей возникает желание не просто следовать тренировочным программам, но и креативно создавать свои, делясь ими с сообществом и обогащая свой опыт методиками других пользователей.</a:t>
-            </a:r>
+          <a:bodyPr>
+            <a:normAutofit/>
+          </a:bodyPr>
+          <a:lstStyle/>
+          <a:p>
+            <a:r>
+              <a:rPr lang="ru-RU" dirty="0">
+                <a:latin typeface="Arial" panose="020B0604020202020204" pitchFamily="34" charset="0"/>
+                <a:cs typeface="Arial" panose="020B0604020202020204" pitchFamily="34" charset="0"/>
+              </a:rPr>
+              <a:t>Путилин Максим – </a:t>
+            </a:r>
+            <a:r>
+              <a:rPr lang="en-US" dirty="0">
+                <a:latin typeface="Arial" panose="020B0604020202020204" pitchFamily="34" charset="0"/>
+                <a:cs typeface="Arial" panose="020B0604020202020204" pitchFamily="34" charset="0"/>
+              </a:rPr>
+              <a:t>team lead, project manager,</a:t>
+            </a:r>
+            <a:r>
+              <a:rPr lang="ru-RU" dirty="0">
+                <a:latin typeface="Arial" panose="020B0604020202020204" pitchFamily="34" charset="0"/>
+                <a:cs typeface="Arial" panose="020B0604020202020204" pitchFamily="34" charset="0"/>
+              </a:rPr>
+              <a:t> </a:t>
+            </a:r>
+            <a:r>
+              <a:rPr lang="en-US" dirty="0" err="1">
+                <a:latin typeface="Arial" panose="020B0604020202020204" pitchFamily="34" charset="0"/>
+                <a:cs typeface="Arial" panose="020B0604020202020204" pitchFamily="34" charset="0"/>
+              </a:rPr>
+              <a:t>технический</a:t>
+            </a:r>
+            <a:r>
+              <a:rPr lang="en-US" dirty="0">
+                <a:latin typeface="Arial" panose="020B0604020202020204" pitchFamily="34" charset="0"/>
+                <a:cs typeface="Arial" panose="020B0604020202020204" pitchFamily="34" charset="0"/>
+              </a:rPr>
+              <a:t> </a:t>
+            </a:r>
+            <a:r>
+              <a:rPr lang="en-US" dirty="0" err="1">
+                <a:latin typeface="Arial" panose="020B0604020202020204" pitchFamily="34" charset="0"/>
+                <a:cs typeface="Arial" panose="020B0604020202020204" pitchFamily="34" charset="0"/>
+              </a:rPr>
+              <a:t>писатель</a:t>
+            </a:r>
+            <a:r>
+              <a:rPr lang="en-US" dirty="0">
+                <a:latin typeface="Arial" panose="020B0604020202020204" pitchFamily="34" charset="0"/>
+                <a:cs typeface="Arial" panose="020B0604020202020204" pitchFamily="34" charset="0"/>
+              </a:rPr>
+              <a:t>, backend</a:t>
+            </a:r>
+            <a:endParaRPr lang="ru-RU" dirty="0">
+              <a:latin typeface="Arial" panose="020B0604020202020204" pitchFamily="34" charset="0"/>
+              <a:cs typeface="Arial" panose="020B0604020202020204" pitchFamily="34" charset="0"/>
+            </a:endParaRPr>
+          </a:p>
+          <a:p>
+            <a:r>
+              <a:rPr lang="ru-RU" dirty="0">
+                <a:latin typeface="Arial" panose="020B0604020202020204" pitchFamily="34" charset="0"/>
+                <a:cs typeface="Arial" panose="020B0604020202020204" pitchFamily="34" charset="0"/>
+              </a:rPr>
+              <a:t>Даниил Олегович – бизнес аналитик, дизайнер, </a:t>
+            </a:r>
+            <a:r>
+              <a:rPr lang="ru-RU" dirty="0" err="1">
+                <a:latin typeface="Arial" panose="020B0604020202020204" pitchFamily="34" charset="0"/>
+                <a:cs typeface="Arial" panose="020B0604020202020204" pitchFamily="34" charset="0"/>
+              </a:rPr>
+              <a:t>frontend</a:t>
+            </a:r>
+            <a:endParaRPr lang="ru-RU" dirty="0">
+              <a:latin typeface="Arial" panose="020B0604020202020204" pitchFamily="34" charset="0"/>
+              <a:cs typeface="Arial" panose="020B0604020202020204" pitchFamily="34" charset="0"/>
+            </a:endParaRPr>
+          </a:p>
+          <a:p>
+            <a:r>
+              <a:rPr lang="ru-RU" dirty="0">
+                <a:latin typeface="Arial" panose="020B0604020202020204" pitchFamily="34" charset="0"/>
+                <a:cs typeface="Arial" panose="020B0604020202020204" pitchFamily="34" charset="0"/>
+              </a:rPr>
+              <a:t>Иван Юрьевич – системный аналитик, QA, </a:t>
+            </a:r>
+            <a:r>
+              <a:rPr lang="ru-RU" dirty="0" err="1">
+                <a:latin typeface="Arial" panose="020B0604020202020204" pitchFamily="34" charset="0"/>
+                <a:cs typeface="Arial" panose="020B0604020202020204" pitchFamily="34" charset="0"/>
+              </a:rPr>
+              <a:t>frontend</a:t>
+            </a:r>
+            <a:endParaRPr lang="ru-RU" dirty="0">
+              <a:latin typeface="Arial" panose="020B0604020202020204" pitchFamily="34" charset="0"/>
+              <a:cs typeface="Arial" panose="020B0604020202020204" pitchFamily="34" charset="0"/>
+            </a:endParaRPr>
           </a:p>
         </p:txBody>
       </p:sp>
     </p:spTree>
     <p:extLst>
       <p:ext uri="{BB962C8B-B14F-4D97-AF65-F5344CB8AC3E}">
-        <p14:creationId xmlns:p14="http://schemas.microsoft.com/office/powerpoint/2010/main" val="3810275871"/>
+        <p14:creationId xmlns:p14="http://schemas.microsoft.com/office/powerpoint/2010/main" val="2253796621"/>
       </p:ext>
     </p:extLst>
   </p:cSld>
@@ -3590,7 +5125,7 @@
           <p:cNvPr id="2" name="Заголовок 1">
             <a:extLst>
               <a:ext uri="{FF2B5EF4-FFF2-40B4-BE49-F238E27FC236}">
-                <a16:creationId xmlns:a16="http://schemas.microsoft.com/office/drawing/2014/main" id="{6DAADE75-C55F-45E6-8BBD-7DCCE5C41E6C}"/>
+                <a16:creationId xmlns:a16="http://schemas.microsoft.com/office/drawing/2014/main" id="{D400DB3F-C114-4B74-A068-13BB0C15B890}"/>
               </a:ext>
             </a:extLst>
           </p:cNvPr>
@@ -3607,8 +5142,11 @@
           <a:lstStyle/>
           <a:p>
             <a:r>
-              <a:rPr lang="ru-RU" dirty="0"/>
-              <a:t>Целевая аудитория</a:t>
+              <a:rPr lang="ru-RU" b="1" dirty="0">
+                <a:latin typeface="Arial" panose="020B0604020202020204" pitchFamily="34" charset="0"/>
+                <a:cs typeface="Arial" panose="020B0604020202020204" pitchFamily="34" charset="0"/>
+              </a:rPr>
+              <a:t>Описание проблемы</a:t>
             </a:r>
           </a:p>
         </p:txBody>
@@ -3618,7 +5156,7 @@
           <p:cNvPr id="3" name="Объект 2">
             <a:extLst>
               <a:ext uri="{FF2B5EF4-FFF2-40B4-BE49-F238E27FC236}">
-                <a16:creationId xmlns:a16="http://schemas.microsoft.com/office/drawing/2014/main" id="{2C57BAB5-4955-4A40-B386-D581387DB258}"/>
+                <a16:creationId xmlns:a16="http://schemas.microsoft.com/office/drawing/2014/main" id="{3E5003C3-643E-494F-BF0E-9A0BB3DC7D17}"/>
               </a:ext>
             </a:extLst>
           </p:cNvPr>
@@ -3638,8 +5176,11 @@
               <a:buNone/>
             </a:pPr>
             <a:r>
-              <a:rPr lang="ru-RU" dirty="0"/>
-              <a:t>Наше приложение нацелено на активных пользователей в возрасте 16-45 лет, ищущих уникальные тренировочные планы и возможность их создания самим.</a:t>
+              <a:rPr lang="ru-RU" dirty="0">
+                <a:latin typeface="Arial" panose="020B0604020202020204" pitchFamily="34" charset="0"/>
+                <a:cs typeface="Arial" panose="020B0604020202020204" pitchFamily="34" charset="0"/>
+              </a:rPr>
+              <a:t>У многих людей возникает желание не просто следовать тренировочным программам, но и креативно создавать свои, делясь ими с сообществом и обогащая свой опыт методиками других пользователей</a:t>
             </a:r>
           </a:p>
         </p:txBody>
@@ -3647,7 +5188,7 @@
     </p:spTree>
     <p:extLst>
       <p:ext uri="{BB962C8B-B14F-4D97-AF65-F5344CB8AC3E}">
-        <p14:creationId xmlns:p14="http://schemas.microsoft.com/office/powerpoint/2010/main" val="496924107"/>
+        <p14:creationId xmlns:p14="http://schemas.microsoft.com/office/powerpoint/2010/main" val="3810275871"/>
       </p:ext>
     </p:extLst>
   </p:cSld>
@@ -3679,7 +5220,7 @@
           <p:cNvPr id="2" name="Заголовок 1">
             <a:extLst>
               <a:ext uri="{FF2B5EF4-FFF2-40B4-BE49-F238E27FC236}">
-                <a16:creationId xmlns:a16="http://schemas.microsoft.com/office/drawing/2014/main" id="{2C89108A-4DD5-4257-BB06-54967AA65898}"/>
+                <a16:creationId xmlns:a16="http://schemas.microsoft.com/office/drawing/2014/main" id="{6DAADE75-C55F-45E6-8BBD-7DCCE5C41E6C}"/>
               </a:ext>
             </a:extLst>
           </p:cNvPr>
@@ -3696,8 +5237,11 @@
           <a:lstStyle/>
           <a:p>
             <a:r>
-              <a:rPr lang="ru-RU" dirty="0"/>
-              <a:t>Предлагаемое решение</a:t>
+              <a:rPr lang="ru-RU" b="1" dirty="0">
+                <a:latin typeface="Arial" panose="020B0604020202020204" pitchFamily="34" charset="0"/>
+                <a:cs typeface="Arial" panose="020B0604020202020204" pitchFamily="34" charset="0"/>
+              </a:rPr>
+              <a:t>Целевая аудитория</a:t>
             </a:r>
           </a:p>
         </p:txBody>
@@ -3707,7 +5251,7 @@
           <p:cNvPr id="3" name="Объект 2">
             <a:extLst>
               <a:ext uri="{FF2B5EF4-FFF2-40B4-BE49-F238E27FC236}">
-                <a16:creationId xmlns:a16="http://schemas.microsoft.com/office/drawing/2014/main" id="{0D76223C-AA72-40A2-AB72-43C474E8A15B}"/>
+                <a16:creationId xmlns:a16="http://schemas.microsoft.com/office/drawing/2014/main" id="{2C57BAB5-4955-4A40-B386-D581387DB258}"/>
               </a:ext>
             </a:extLst>
           </p:cNvPr>
@@ -3727,8 +5271,11 @@
               <a:buNone/>
             </a:pPr>
             <a:r>
-              <a:rPr lang="ru-RU" dirty="0"/>
-              <a:t>«FitHub» позволяет создание персонализированных тренировочных планов и отслеживания прогресса, с возможностью просмотра и оценки тренировок других пользователей, а также разработки и публикации собственных тренировок через удобный конструктор.</a:t>
+              <a:rPr lang="ru-RU" dirty="0">
+                <a:latin typeface="Arial" panose="020B0604020202020204" pitchFamily="34" charset="0"/>
+                <a:cs typeface="Arial" panose="020B0604020202020204" pitchFamily="34" charset="0"/>
+              </a:rPr>
+              <a:t>Наше приложение нацелено на активных пользователей в возрасте 16-45 лет, ищущих уникальные тренировочные планы и возможность их создания самим</a:t>
             </a:r>
           </a:p>
         </p:txBody>
@@ -3736,7 +5283,7 @@
     </p:spTree>
     <p:extLst>
       <p:ext uri="{BB962C8B-B14F-4D97-AF65-F5344CB8AC3E}">
-        <p14:creationId xmlns:p14="http://schemas.microsoft.com/office/powerpoint/2010/main" val="506075529"/>
+        <p14:creationId xmlns:p14="http://schemas.microsoft.com/office/powerpoint/2010/main" val="496924107"/>
       </p:ext>
     </p:extLst>
   </p:cSld>
@@ -3768,7 +5315,7 @@
           <p:cNvPr id="2" name="Заголовок 1">
             <a:extLst>
               <a:ext uri="{FF2B5EF4-FFF2-40B4-BE49-F238E27FC236}">
-                <a16:creationId xmlns:a16="http://schemas.microsoft.com/office/drawing/2014/main" id="{3463B57B-F3C3-4599-9524-5130C6D2A6C5}"/>
+                <a16:creationId xmlns:a16="http://schemas.microsoft.com/office/drawing/2014/main" id="{2C89108A-4DD5-4257-BB06-54967AA65898}"/>
               </a:ext>
             </a:extLst>
           </p:cNvPr>
@@ -3785,8 +5332,11 @@
           <a:lstStyle/>
           <a:p>
             <a:r>
-              <a:rPr lang="ru-RU" dirty="0"/>
-              <a:t>Технологии и инновации</a:t>
+              <a:rPr lang="ru-RU" b="1" dirty="0">
+                <a:latin typeface="Arial" panose="020B0604020202020204" pitchFamily="34" charset="0"/>
+                <a:cs typeface="Arial" panose="020B0604020202020204" pitchFamily="34" charset="0"/>
+              </a:rPr>
+              <a:t>Предлагаемое решение</a:t>
             </a:r>
           </a:p>
         </p:txBody>
@@ -3796,7 +5346,7 @@
           <p:cNvPr id="3" name="Объект 2">
             <a:extLst>
               <a:ext uri="{FF2B5EF4-FFF2-40B4-BE49-F238E27FC236}">
-                <a16:creationId xmlns:a16="http://schemas.microsoft.com/office/drawing/2014/main" id="{253E107C-EF4A-490A-8905-A848BAAE1927}"/>
+                <a16:creationId xmlns:a16="http://schemas.microsoft.com/office/drawing/2014/main" id="{0D76223C-AA72-40A2-AB72-43C474E8A15B}"/>
               </a:ext>
             </a:extLst>
           </p:cNvPr>
@@ -3807,75 +5357,20 @@
             <p:ph idx="1"/>
           </p:nvPr>
         </p:nvSpPr>
-        <p:spPr>
-          <a:xfrm>
-            <a:off x="838200" y="1690688"/>
-            <a:ext cx="10515600" cy="5168733"/>
-          </a:xfrm>
-        </p:spPr>
-        <p:txBody>
-          <a:bodyPr>
-            <a:normAutofit/>
-          </a:bodyPr>
-          <a:lstStyle/>
-          <a:p>
-            <a:r>
-              <a:rPr lang="ru-RU" dirty="0"/>
-              <a:t>Перечень технологий</a:t>
-            </a:r>
-          </a:p>
+        <p:spPr/>
+        <p:txBody>
+          <a:bodyPr/>
+          <a:lstStyle/>
           <a:p>
             <a:pPr marL="0" indent="0">
               <a:buNone/>
             </a:pPr>
             <a:r>
-              <a:rPr lang="ru-RU" dirty="0"/>
-              <a:t>Используем </a:t>
-            </a:r>
-            <a:r>
-              <a:rPr lang="en-US" dirty="0"/>
-              <a:t>Django </a:t>
-            </a:r>
-            <a:r>
-              <a:rPr lang="ru-RU" dirty="0"/>
-              <a:t>для бэкенда, </a:t>
-            </a:r>
-            <a:r>
-              <a:rPr lang="en-US" dirty="0"/>
-              <a:t>Flutter </a:t>
-            </a:r>
-            <a:r>
-              <a:rPr lang="ru-RU" dirty="0"/>
-              <a:t>для разработки кросс-платформенного мобильного приложения и фронтенда, </a:t>
-            </a:r>
-            <a:r>
-              <a:rPr lang="en-US" dirty="0"/>
-              <a:t>PostgreSQL </a:t>
-            </a:r>
-            <a:r>
-              <a:rPr lang="ru-RU" dirty="0"/>
-              <a:t>для базы данных.</a:t>
-            </a:r>
-          </a:p>
-          <a:p>
-            <a:pPr marL="0" indent="0">
-              <a:buNone/>
-            </a:pPr>
-            <a:endParaRPr lang="ru-RU" dirty="0"/>
-          </a:p>
-          <a:p>
-            <a:r>
-              <a:rPr lang="ru-RU" dirty="0"/>
-              <a:t>Основание выбора</a:t>
-            </a:r>
-          </a:p>
-          <a:p>
-            <a:pPr marL="0" indent="0">
-              <a:buNone/>
-            </a:pPr>
-            <a:r>
-              <a:rPr lang="ru-RU" dirty="0"/>
-              <a:t>Эти технологии были выбраны в силу их гибкости, возможности масштабироваться и обширной поддержки со стороны сообщества, что способствует ускорению разработки и облегчает интеграцию новых функций.</a:t>
+              <a:rPr lang="ru-RU" dirty="0">
+                <a:latin typeface="Arial" panose="020B0604020202020204" pitchFamily="34" charset="0"/>
+                <a:cs typeface="Arial" panose="020B0604020202020204" pitchFamily="34" charset="0"/>
+              </a:rPr>
+              <a:t>«FitHub» позволяет создание персонализированных тренировочных планов и отслеживание прогресса, с возможностью просмотра и оценки тренировок других пользователей, а также разработку собственных тренировок через удобный конструктор и их публикацию</a:t>
             </a:r>
           </a:p>
         </p:txBody>
@@ -3883,7 +5378,7 @@
     </p:spTree>
     <p:extLst>
       <p:ext uri="{BB962C8B-B14F-4D97-AF65-F5344CB8AC3E}">
-        <p14:creationId xmlns:p14="http://schemas.microsoft.com/office/powerpoint/2010/main" val="1411031980"/>
+        <p14:creationId xmlns:p14="http://schemas.microsoft.com/office/powerpoint/2010/main" val="506075529"/>
       </p:ext>
     </p:extLst>
   </p:cSld>
@@ -3915,7 +5410,7 @@
           <p:cNvPr id="2" name="Заголовок 1">
             <a:extLst>
               <a:ext uri="{FF2B5EF4-FFF2-40B4-BE49-F238E27FC236}">
-                <a16:creationId xmlns:a16="http://schemas.microsoft.com/office/drawing/2014/main" id="{0C296595-B48A-4DF0-9353-C598D8F87536}"/>
+                <a16:creationId xmlns:a16="http://schemas.microsoft.com/office/drawing/2014/main" id="{8A826353-B138-4203-895E-05D65ADE6F55}"/>
               </a:ext>
             </a:extLst>
           </p:cNvPr>
@@ -3931,7 +5426,13 @@
           <a:bodyPr/>
           <a:lstStyle/>
           <a:p>
-            <a:endParaRPr lang="ru-RU"/>
+            <a:r>
+              <a:rPr lang="ru-RU" b="1" dirty="0">
+                <a:latin typeface="Arial" panose="020B0604020202020204" pitchFamily="34" charset="0"/>
+                <a:cs typeface="Arial" panose="020B0604020202020204" pitchFamily="34" charset="0"/>
+              </a:rPr>
+              <a:t>Рассматриваемые конкуренты</a:t>
+            </a:r>
           </a:p>
         </p:txBody>
       </p:sp>
@@ -3940,7 +5441,7 @@
           <p:cNvPr id="3" name="Объект 2">
             <a:extLst>
               <a:ext uri="{FF2B5EF4-FFF2-40B4-BE49-F238E27FC236}">
-                <a16:creationId xmlns:a16="http://schemas.microsoft.com/office/drawing/2014/main" id="{5812D7FE-A07E-4BBA-A8F8-A3071E5A7A93}"/>
+                <a16:creationId xmlns:a16="http://schemas.microsoft.com/office/drawing/2014/main" id="{7440D031-2E6B-4AE5-9BEC-84D63E528A66}"/>
               </a:ext>
             </a:extLst>
           </p:cNvPr>
@@ -3956,14 +5457,1030 @@
           <a:bodyPr/>
           <a:lstStyle/>
           <a:p>
-            <a:endParaRPr lang="ru-RU"/>
+            <a:r>
+              <a:rPr lang="en-US" dirty="0">
+                <a:latin typeface="Arial" panose="020B0604020202020204" pitchFamily="34" charset="0"/>
+                <a:cs typeface="Arial" panose="020B0604020202020204" pitchFamily="34" charset="0"/>
+              </a:rPr>
+              <a:t>F</a:t>
+            </a:r>
+            <a:r>
+              <a:rPr lang="ru-RU" dirty="0" err="1">
+                <a:latin typeface="Arial" panose="020B0604020202020204" pitchFamily="34" charset="0"/>
+                <a:cs typeface="Arial" panose="020B0604020202020204" pitchFamily="34" charset="0"/>
+              </a:rPr>
+              <a:t>itness</a:t>
+            </a:r>
+            <a:r>
+              <a:rPr lang="ru-RU" dirty="0">
+                <a:latin typeface="Arial" panose="020B0604020202020204" pitchFamily="34" charset="0"/>
+                <a:cs typeface="Arial" panose="020B0604020202020204" pitchFamily="34" charset="0"/>
+              </a:rPr>
+              <a:t> </a:t>
+            </a:r>
+            <a:r>
+              <a:rPr lang="ru-RU" dirty="0" err="1">
+                <a:latin typeface="Arial" panose="020B0604020202020204" pitchFamily="34" charset="0"/>
+                <a:cs typeface="Arial" panose="020B0604020202020204" pitchFamily="34" charset="0"/>
+              </a:rPr>
+              <a:t>online</a:t>
+            </a:r>
+            <a:r>
+              <a:rPr lang="en-US" dirty="0">
+                <a:latin typeface="Arial" panose="020B0604020202020204" pitchFamily="34" charset="0"/>
+                <a:cs typeface="Arial" panose="020B0604020202020204" pitchFamily="34" charset="0"/>
+              </a:rPr>
+              <a:t> – </a:t>
+            </a:r>
+            <a:r>
+              <a:rPr lang="ru-RU" dirty="0">
+                <a:latin typeface="Arial" panose="020B0604020202020204" pitchFamily="34" charset="0"/>
+                <a:cs typeface="Arial" panose="020B0604020202020204" pitchFamily="34" charset="0"/>
+              </a:rPr>
+              <a:t> фитнес тренировки </a:t>
+            </a:r>
+            <a:r>
+              <a:rPr lang="ru-RU" dirty="0" err="1">
+                <a:latin typeface="Arial" panose="020B0604020202020204" pitchFamily="34" charset="0"/>
+                <a:cs typeface="Arial" panose="020B0604020202020204" pitchFamily="34" charset="0"/>
+              </a:rPr>
+              <a:t>дома,в</a:t>
+            </a:r>
+            <a:r>
+              <a:rPr lang="ru-RU" dirty="0">
+                <a:latin typeface="Arial" panose="020B0604020202020204" pitchFamily="34" charset="0"/>
+                <a:cs typeface="Arial" panose="020B0604020202020204" pitchFamily="34" charset="0"/>
+              </a:rPr>
+              <a:t> зале</a:t>
+            </a:r>
+            <a:endParaRPr lang="en-US" dirty="0">
+              <a:latin typeface="Arial" panose="020B0604020202020204" pitchFamily="34" charset="0"/>
+              <a:cs typeface="Arial" panose="020B0604020202020204" pitchFamily="34" charset="0"/>
+            </a:endParaRPr>
+          </a:p>
+          <a:p>
+            <a:r>
+              <a:rPr lang="en-US" dirty="0">
+                <a:latin typeface="Arial" panose="020B0604020202020204" pitchFamily="34" charset="0"/>
+                <a:cs typeface="Arial" panose="020B0604020202020204" pitchFamily="34" charset="0"/>
+              </a:rPr>
+              <a:t>PUMATRAC Run, Train, Fitness</a:t>
+            </a:r>
+          </a:p>
+          <a:p>
+            <a:r>
+              <a:rPr lang="en-US" dirty="0" err="1">
+                <a:latin typeface="Arial" panose="020B0604020202020204" pitchFamily="34" charset="0"/>
+                <a:cs typeface="Arial" panose="020B0604020202020204" pitchFamily="34" charset="0"/>
+              </a:rPr>
+              <a:t>Freeletics</a:t>
+            </a:r>
+            <a:r>
+              <a:rPr lang="en-US" dirty="0">
+                <a:latin typeface="Arial" panose="020B0604020202020204" pitchFamily="34" charset="0"/>
+                <a:cs typeface="Arial" panose="020B0604020202020204" pitchFamily="34" charset="0"/>
+              </a:rPr>
+              <a:t>: Fitness Workouts</a:t>
+            </a:r>
+          </a:p>
+          <a:p>
+            <a:r>
+              <a:rPr lang="en-US" dirty="0">
+                <a:latin typeface="Arial" panose="020B0604020202020204" pitchFamily="34" charset="0"/>
+                <a:cs typeface="Arial" panose="020B0604020202020204" pitchFamily="34" charset="0"/>
+              </a:rPr>
+              <a:t>Strong Workout Tracker Gym Log</a:t>
+            </a:r>
+          </a:p>
+          <a:p>
+            <a:endParaRPr lang="ru-RU" dirty="0">
+              <a:latin typeface="Arial" panose="020B0604020202020204" pitchFamily="34" charset="0"/>
+              <a:cs typeface="Arial" panose="020B0604020202020204" pitchFamily="34" charset="0"/>
+            </a:endParaRPr>
           </a:p>
         </p:txBody>
       </p:sp>
     </p:spTree>
     <p:extLst>
       <p:ext uri="{BB962C8B-B14F-4D97-AF65-F5344CB8AC3E}">
-        <p14:creationId xmlns:p14="http://schemas.microsoft.com/office/powerpoint/2010/main" val="3610169419"/>
+        <p14:creationId xmlns:p14="http://schemas.microsoft.com/office/powerpoint/2010/main" val="3616867139"/>
+      </p:ext>
+    </p:extLst>
+  </p:cSld>
+  <p:clrMapOvr>
+    <a:masterClrMapping/>
+  </p:clrMapOvr>
+</p:sld>
+</file>
+
+<file path=ppt/slides/slide7.xml><?xml version="1.0" encoding="utf-8"?>
+<p:sld xmlns:a="http://schemas.openxmlformats.org/drawingml/2006/main" xmlns:r="http://schemas.openxmlformats.org/officeDocument/2006/relationships" xmlns:p="http://schemas.openxmlformats.org/presentationml/2006/main">
+  <p:cSld>
+    <p:spTree>
+      <p:nvGrpSpPr>
+        <p:cNvPr id="1" name=""/>
+        <p:cNvGrpSpPr/>
+        <p:nvPr/>
+      </p:nvGrpSpPr>
+      <p:grpSpPr>
+        <a:xfrm>
+          <a:off x="0" y="0"/>
+          <a:ext cx="0" cy="0"/>
+          <a:chOff x="0" y="0"/>
+          <a:chExt cx="0" cy="0"/>
+        </a:xfrm>
+      </p:grpSpPr>
+      <p:sp>
+        <p:nvSpPr>
+          <p:cNvPr id="2" name="Заголовок 1">
+            <a:extLst>
+              <a:ext uri="{FF2B5EF4-FFF2-40B4-BE49-F238E27FC236}">
+                <a16:creationId xmlns:a16="http://schemas.microsoft.com/office/drawing/2014/main" id="{2C89108A-4DD5-4257-BB06-54967AA65898}"/>
+              </a:ext>
+            </a:extLst>
+          </p:cNvPr>
+          <p:cNvSpPr>
+            <a:spLocks noGrp="1"/>
+          </p:cNvSpPr>
+          <p:nvPr>
+            <p:ph type="title"/>
+          </p:nvPr>
+        </p:nvSpPr>
+        <p:spPr/>
+        <p:txBody>
+          <a:bodyPr/>
+          <a:lstStyle/>
+          <a:p>
+            <a:r>
+              <a:rPr lang="ru-RU" b="1" dirty="0">
+                <a:latin typeface="Arial" panose="020B0604020202020204" pitchFamily="34" charset="0"/>
+                <a:cs typeface="Arial" panose="020B0604020202020204" pitchFamily="34" charset="0"/>
+              </a:rPr>
+              <a:t>Конкурентное преимущество</a:t>
+            </a:r>
+          </a:p>
+        </p:txBody>
+      </p:sp>
+      <p:sp>
+        <p:nvSpPr>
+          <p:cNvPr id="3" name="Объект 2">
+            <a:extLst>
+              <a:ext uri="{FF2B5EF4-FFF2-40B4-BE49-F238E27FC236}">
+                <a16:creationId xmlns:a16="http://schemas.microsoft.com/office/drawing/2014/main" id="{0D76223C-AA72-40A2-AB72-43C474E8A15B}"/>
+              </a:ext>
+            </a:extLst>
+          </p:cNvPr>
+          <p:cNvSpPr>
+            <a:spLocks noGrp="1"/>
+          </p:cNvSpPr>
+          <p:nvPr>
+            <p:ph idx="1"/>
+          </p:nvPr>
+        </p:nvSpPr>
+        <p:spPr/>
+        <p:txBody>
+          <a:bodyPr/>
+          <a:lstStyle/>
+          <a:p>
+            <a:r>
+              <a:rPr lang="ru-RU" dirty="0">
+                <a:latin typeface="Arial" panose="020B0604020202020204" pitchFamily="34" charset="0"/>
+                <a:cs typeface="Arial" panose="020B0604020202020204" pitchFamily="34" charset="0"/>
+              </a:rPr>
+              <a:t>Возможность поделиться созданными курсами с другими пользователями</a:t>
+            </a:r>
+          </a:p>
+          <a:p>
+            <a:r>
+              <a:rPr lang="ru-RU" dirty="0">
+                <a:latin typeface="Arial" panose="020B0604020202020204" pitchFamily="34" charset="0"/>
+                <a:cs typeface="Arial" panose="020B0604020202020204" pitchFamily="34" charset="0"/>
+              </a:rPr>
+              <a:t>Просмотр и выполнение созданных другими пользователями тренировочных курсов</a:t>
+            </a:r>
+          </a:p>
+          <a:p>
+            <a:r>
+              <a:rPr lang="ru-RU" dirty="0">
+                <a:latin typeface="Arial" panose="020B0604020202020204" pitchFamily="34" charset="0"/>
+                <a:cs typeface="Arial" panose="020B0604020202020204" pitchFamily="34" charset="0"/>
+              </a:rPr>
+              <a:t>Оценивание и комментирование тренировочных курсов других пользователей</a:t>
+            </a:r>
+          </a:p>
+        </p:txBody>
+      </p:sp>
+    </p:spTree>
+    <p:extLst>
+      <p:ext uri="{BB962C8B-B14F-4D97-AF65-F5344CB8AC3E}">
+        <p14:creationId xmlns:p14="http://schemas.microsoft.com/office/powerpoint/2010/main" val="883407813"/>
+      </p:ext>
+    </p:extLst>
+  </p:cSld>
+  <p:clrMapOvr>
+    <a:masterClrMapping/>
+  </p:clrMapOvr>
+</p:sld>
+</file>
+
+<file path=ppt/slides/slide8.xml><?xml version="1.0" encoding="utf-8"?>
+<p:sld xmlns:a="http://schemas.openxmlformats.org/drawingml/2006/main" xmlns:r="http://schemas.openxmlformats.org/officeDocument/2006/relationships" xmlns:p="http://schemas.openxmlformats.org/presentationml/2006/main">
+  <p:cSld>
+    <p:spTree>
+      <p:nvGrpSpPr>
+        <p:cNvPr id="1" name=""/>
+        <p:cNvGrpSpPr/>
+        <p:nvPr/>
+      </p:nvGrpSpPr>
+      <p:grpSpPr>
+        <a:xfrm>
+          <a:off x="0" y="0"/>
+          <a:ext cx="0" cy="0"/>
+          <a:chOff x="0" y="0"/>
+          <a:chExt cx="0" cy="0"/>
+        </a:xfrm>
+      </p:grpSpPr>
+      <p:sp>
+        <p:nvSpPr>
+          <p:cNvPr id="2" name="Заголовок 1">
+            <a:extLst>
+              <a:ext uri="{FF2B5EF4-FFF2-40B4-BE49-F238E27FC236}">
+                <a16:creationId xmlns:a16="http://schemas.microsoft.com/office/drawing/2014/main" id="{3463B57B-F3C3-4599-9524-5130C6D2A6C5}"/>
+              </a:ext>
+            </a:extLst>
+          </p:cNvPr>
+          <p:cNvSpPr>
+            <a:spLocks noGrp="1"/>
+          </p:cNvSpPr>
+          <p:nvPr>
+            <p:ph type="title"/>
+          </p:nvPr>
+        </p:nvSpPr>
+        <p:spPr/>
+        <p:txBody>
+          <a:bodyPr/>
+          <a:lstStyle/>
+          <a:p>
+            <a:r>
+              <a:rPr lang="ru-RU" b="1" dirty="0">
+                <a:latin typeface="Arial" panose="020B0604020202020204" pitchFamily="34" charset="0"/>
+                <a:cs typeface="Arial" panose="020B0604020202020204" pitchFamily="34" charset="0"/>
+              </a:rPr>
+              <a:t>Используемые технологии</a:t>
+            </a:r>
+          </a:p>
+        </p:txBody>
+      </p:sp>
+      <p:sp>
+        <p:nvSpPr>
+          <p:cNvPr id="3" name="Объект 2">
+            <a:extLst>
+              <a:ext uri="{FF2B5EF4-FFF2-40B4-BE49-F238E27FC236}">
+                <a16:creationId xmlns:a16="http://schemas.microsoft.com/office/drawing/2014/main" id="{253E107C-EF4A-490A-8905-A848BAAE1927}"/>
+              </a:ext>
+            </a:extLst>
+          </p:cNvPr>
+          <p:cNvSpPr>
+            <a:spLocks noGrp="1"/>
+          </p:cNvSpPr>
+          <p:nvPr>
+            <p:ph idx="1"/>
+          </p:nvPr>
+        </p:nvSpPr>
+        <p:spPr>
+          <a:xfrm>
+            <a:off x="838200" y="1690689"/>
+            <a:ext cx="10515600" cy="534352"/>
+          </a:xfrm>
+        </p:spPr>
+        <p:txBody>
+          <a:bodyPr>
+            <a:normAutofit/>
+          </a:bodyPr>
+          <a:lstStyle/>
+          <a:p>
+            <a:pPr marL="0" indent="0">
+              <a:buNone/>
+            </a:pPr>
+            <a:r>
+              <a:rPr lang="en-US" b="1" dirty="0">
+                <a:latin typeface="Arial" panose="020B0604020202020204" pitchFamily="34" charset="0"/>
+                <a:cs typeface="Arial" panose="020B0604020202020204" pitchFamily="34" charset="0"/>
+              </a:rPr>
+              <a:t>Frontend</a:t>
+            </a:r>
+            <a:endParaRPr lang="ru-RU" b="1" dirty="0">
+              <a:latin typeface="Arial" panose="020B0604020202020204" pitchFamily="34" charset="0"/>
+              <a:cs typeface="Arial" panose="020B0604020202020204" pitchFamily="34" charset="0"/>
+            </a:endParaRPr>
+          </a:p>
+        </p:txBody>
+      </p:sp>
+      <p:pic>
+        <p:nvPicPr>
+          <p:cNvPr id="5" name="Рисунок 4">
+            <a:extLst>
+              <a:ext uri="{FF2B5EF4-FFF2-40B4-BE49-F238E27FC236}">
+                <a16:creationId xmlns:a16="http://schemas.microsoft.com/office/drawing/2014/main" id="{68A04678-C9C8-4A6B-8FC9-19EFAD0B7ECC}"/>
+              </a:ext>
+            </a:extLst>
+          </p:cNvPr>
+          <p:cNvPicPr>
+            <a:picLocks noChangeAspect="1"/>
+          </p:cNvPicPr>
+          <p:nvPr/>
+        </p:nvPicPr>
+        <p:blipFill>
+          <a:blip r:embed="rId2">
+            <a:extLst>
+              <a:ext uri="{28A0092B-C50C-407E-A947-70E740481C1C}">
+                <a14:useLocalDpi xmlns:a14="http://schemas.microsoft.com/office/drawing/2010/main" val="0"/>
+              </a:ext>
+            </a:extLst>
+          </a:blip>
+          <a:stretch>
+            <a:fillRect/>
+          </a:stretch>
+        </p:blipFill>
+        <p:spPr>
+          <a:xfrm>
+            <a:off x="2311805" y="3283532"/>
+            <a:ext cx="3340989" cy="2505742"/>
+          </a:xfrm>
+          <a:prstGeom prst="rect">
+            <a:avLst/>
+          </a:prstGeom>
+        </p:spPr>
+      </p:pic>
+      <p:sp>
+        <p:nvSpPr>
+          <p:cNvPr id="6" name="TextBox 5">
+            <a:extLst>
+              <a:ext uri="{FF2B5EF4-FFF2-40B4-BE49-F238E27FC236}">
+                <a16:creationId xmlns:a16="http://schemas.microsoft.com/office/drawing/2014/main" id="{5DD52684-6950-4690-8934-5064C106BEDB}"/>
+              </a:ext>
+            </a:extLst>
+          </p:cNvPr>
+          <p:cNvSpPr txBox="1"/>
+          <p:nvPr/>
+        </p:nvSpPr>
+        <p:spPr>
+          <a:xfrm>
+            <a:off x="3380211" y="2487569"/>
+            <a:ext cx="1204176" cy="523220"/>
+          </a:xfrm>
+          <a:prstGeom prst="rect">
+            <a:avLst/>
+          </a:prstGeom>
+          <a:noFill/>
+        </p:spPr>
+        <p:txBody>
+          <a:bodyPr wrap="none" rtlCol="0">
+            <a:spAutoFit/>
+          </a:bodyPr>
+          <a:lstStyle/>
+          <a:p>
+            <a:r>
+              <a:rPr lang="en-US" sz="2800" dirty="0">
+                <a:latin typeface="Arial" panose="020B0604020202020204" pitchFamily="34" charset="0"/>
+                <a:cs typeface="Arial" panose="020B0604020202020204" pitchFamily="34" charset="0"/>
+              </a:rPr>
+              <a:t>Flutter</a:t>
+            </a:r>
+          </a:p>
+        </p:txBody>
+      </p:sp>
+      <p:pic>
+        <p:nvPicPr>
+          <p:cNvPr id="8" name="Рисунок 7">
+            <a:extLst>
+              <a:ext uri="{FF2B5EF4-FFF2-40B4-BE49-F238E27FC236}">
+                <a16:creationId xmlns:a16="http://schemas.microsoft.com/office/drawing/2014/main" id="{58B3B4D3-2908-4902-85A9-67B9AF096E07}"/>
+              </a:ext>
+            </a:extLst>
+          </p:cNvPr>
+          <p:cNvPicPr>
+            <a:picLocks noChangeAspect="1"/>
+          </p:cNvPicPr>
+          <p:nvPr/>
+        </p:nvPicPr>
+        <p:blipFill>
+          <a:blip r:embed="rId3">
+            <a:extLst>
+              <a:ext uri="{28A0092B-C50C-407E-A947-70E740481C1C}">
+                <a14:useLocalDpi xmlns:a14="http://schemas.microsoft.com/office/drawing/2010/main" val="0"/>
+              </a:ext>
+              <a:ext uri="{96DAC541-7B7A-43D3-8B79-37D633B846F1}">
+                <asvg:svgBlip xmlns:asvg="http://schemas.microsoft.com/office/drawing/2016/SVG/main" r:embed="rId4"/>
+              </a:ext>
+            </a:extLst>
+          </a:blip>
+          <a:stretch>
+            <a:fillRect/>
+          </a:stretch>
+        </p:blipFill>
+        <p:spPr>
+          <a:xfrm>
+            <a:off x="6539207" y="3283533"/>
+            <a:ext cx="2505741" cy="2505741"/>
+          </a:xfrm>
+          <a:prstGeom prst="rect">
+            <a:avLst/>
+          </a:prstGeom>
+        </p:spPr>
+      </p:pic>
+      <p:sp>
+        <p:nvSpPr>
+          <p:cNvPr id="10" name="TextBox 9">
+            <a:extLst>
+              <a:ext uri="{FF2B5EF4-FFF2-40B4-BE49-F238E27FC236}">
+                <a16:creationId xmlns:a16="http://schemas.microsoft.com/office/drawing/2014/main" id="{79D61D7F-0343-4D0E-B1C7-6CEE684AD14F}"/>
+              </a:ext>
+            </a:extLst>
+          </p:cNvPr>
+          <p:cNvSpPr txBox="1"/>
+          <p:nvPr/>
+        </p:nvSpPr>
+        <p:spPr>
+          <a:xfrm>
+            <a:off x="7359907" y="2487569"/>
+            <a:ext cx="864339" cy="523220"/>
+          </a:xfrm>
+          <a:prstGeom prst="rect">
+            <a:avLst/>
+          </a:prstGeom>
+          <a:noFill/>
+        </p:spPr>
+        <p:txBody>
+          <a:bodyPr wrap="none" rtlCol="0">
+            <a:spAutoFit/>
+          </a:bodyPr>
+          <a:lstStyle/>
+          <a:p>
+            <a:r>
+              <a:rPr lang="en-US" sz="2800" dirty="0">
+                <a:latin typeface="Arial" panose="020B0604020202020204" pitchFamily="34" charset="0"/>
+                <a:cs typeface="Arial" panose="020B0604020202020204" pitchFamily="34" charset="0"/>
+              </a:rPr>
+              <a:t>Dart</a:t>
+            </a:r>
+          </a:p>
+        </p:txBody>
+      </p:sp>
+    </p:spTree>
+    <p:extLst>
+      <p:ext uri="{BB962C8B-B14F-4D97-AF65-F5344CB8AC3E}">
+        <p14:creationId xmlns:p14="http://schemas.microsoft.com/office/powerpoint/2010/main" val="1411031980"/>
+      </p:ext>
+    </p:extLst>
+  </p:cSld>
+  <p:clrMapOvr>
+    <a:masterClrMapping/>
+  </p:clrMapOvr>
+</p:sld>
+</file>
+
+<file path=ppt/slides/slide9.xml><?xml version="1.0" encoding="utf-8"?>
+<p:sld xmlns:a="http://schemas.openxmlformats.org/drawingml/2006/main" xmlns:r="http://schemas.openxmlformats.org/officeDocument/2006/relationships" xmlns:p="http://schemas.openxmlformats.org/presentationml/2006/main">
+  <p:cSld>
+    <p:spTree>
+      <p:nvGrpSpPr>
+        <p:cNvPr id="1" name=""/>
+        <p:cNvGrpSpPr/>
+        <p:nvPr/>
+      </p:nvGrpSpPr>
+      <p:grpSpPr>
+        <a:xfrm>
+          <a:off x="0" y="0"/>
+          <a:ext cx="0" cy="0"/>
+          <a:chOff x="0" y="0"/>
+          <a:chExt cx="0" cy="0"/>
+        </a:xfrm>
+      </p:grpSpPr>
+      <p:sp>
+        <p:nvSpPr>
+          <p:cNvPr id="2" name="Заголовок 1">
+            <a:extLst>
+              <a:ext uri="{FF2B5EF4-FFF2-40B4-BE49-F238E27FC236}">
+                <a16:creationId xmlns:a16="http://schemas.microsoft.com/office/drawing/2014/main" id="{3463B57B-F3C3-4599-9524-5130C6D2A6C5}"/>
+              </a:ext>
+            </a:extLst>
+          </p:cNvPr>
+          <p:cNvSpPr>
+            <a:spLocks noGrp="1"/>
+          </p:cNvSpPr>
+          <p:nvPr>
+            <p:ph type="title"/>
+          </p:nvPr>
+        </p:nvSpPr>
+        <p:spPr/>
+        <p:txBody>
+          <a:bodyPr/>
+          <a:lstStyle/>
+          <a:p>
+            <a:r>
+              <a:rPr lang="ru-RU" b="1" dirty="0">
+                <a:latin typeface="Arial" panose="020B0604020202020204" pitchFamily="34" charset="0"/>
+                <a:cs typeface="Arial" panose="020B0604020202020204" pitchFamily="34" charset="0"/>
+              </a:rPr>
+              <a:t>Используемые технологии</a:t>
+            </a:r>
+          </a:p>
+        </p:txBody>
+      </p:sp>
+      <p:sp>
+        <p:nvSpPr>
+          <p:cNvPr id="3" name="Объект 2">
+            <a:extLst>
+              <a:ext uri="{FF2B5EF4-FFF2-40B4-BE49-F238E27FC236}">
+                <a16:creationId xmlns:a16="http://schemas.microsoft.com/office/drawing/2014/main" id="{253E107C-EF4A-490A-8905-A848BAAE1927}"/>
+              </a:ext>
+            </a:extLst>
+          </p:cNvPr>
+          <p:cNvSpPr>
+            <a:spLocks noGrp="1"/>
+          </p:cNvSpPr>
+          <p:nvPr>
+            <p:ph idx="1"/>
+          </p:nvPr>
+        </p:nvSpPr>
+        <p:spPr>
+          <a:xfrm>
+            <a:off x="838200" y="1690689"/>
+            <a:ext cx="10515600" cy="534352"/>
+          </a:xfrm>
+        </p:spPr>
+        <p:txBody>
+          <a:bodyPr>
+            <a:normAutofit/>
+          </a:bodyPr>
+          <a:lstStyle/>
+          <a:p>
+            <a:pPr marL="0" indent="0">
+              <a:buNone/>
+            </a:pPr>
+            <a:r>
+              <a:rPr lang="en-US" b="1" dirty="0">
+                <a:latin typeface="Arial" panose="020B0604020202020204" pitchFamily="34" charset="0"/>
+                <a:cs typeface="Arial" panose="020B0604020202020204" pitchFamily="34" charset="0"/>
+              </a:rPr>
+              <a:t>Backend</a:t>
+            </a:r>
+            <a:endParaRPr lang="ru-RU" b="1" dirty="0">
+              <a:latin typeface="Arial" panose="020B0604020202020204" pitchFamily="34" charset="0"/>
+              <a:cs typeface="Arial" panose="020B0604020202020204" pitchFamily="34" charset="0"/>
+            </a:endParaRPr>
+          </a:p>
+        </p:txBody>
+      </p:sp>
+      <p:sp>
+        <p:nvSpPr>
+          <p:cNvPr id="6" name="TextBox 5">
+            <a:extLst>
+              <a:ext uri="{FF2B5EF4-FFF2-40B4-BE49-F238E27FC236}">
+                <a16:creationId xmlns:a16="http://schemas.microsoft.com/office/drawing/2014/main" id="{5DD52684-6950-4690-8934-5064C106BEDB}"/>
+              </a:ext>
+            </a:extLst>
+          </p:cNvPr>
+          <p:cNvSpPr txBox="1"/>
+          <p:nvPr/>
+        </p:nvSpPr>
+        <p:spPr>
+          <a:xfrm>
+            <a:off x="851650" y="2477360"/>
+            <a:ext cx="1303562" cy="523220"/>
+          </a:xfrm>
+          <a:prstGeom prst="rect">
+            <a:avLst/>
+          </a:prstGeom>
+          <a:noFill/>
+        </p:spPr>
+        <p:txBody>
+          <a:bodyPr wrap="none" rtlCol="0">
+            <a:spAutoFit/>
+          </a:bodyPr>
+          <a:lstStyle/>
+          <a:p>
+            <a:r>
+              <a:rPr lang="en-US" sz="2800" dirty="0">
+                <a:latin typeface="Arial" panose="020B0604020202020204" pitchFamily="34" charset="0"/>
+                <a:cs typeface="Arial" panose="020B0604020202020204" pitchFamily="34" charset="0"/>
+              </a:rPr>
+              <a:t>Python</a:t>
+            </a:r>
+          </a:p>
+        </p:txBody>
+      </p:sp>
+      <p:sp>
+        <p:nvSpPr>
+          <p:cNvPr id="10" name="TextBox 9">
+            <a:extLst>
+              <a:ext uri="{FF2B5EF4-FFF2-40B4-BE49-F238E27FC236}">
+                <a16:creationId xmlns:a16="http://schemas.microsoft.com/office/drawing/2014/main" id="{79D61D7F-0343-4D0E-B1C7-6CEE684AD14F}"/>
+              </a:ext>
+            </a:extLst>
+          </p:cNvPr>
+          <p:cNvSpPr txBox="1"/>
+          <p:nvPr/>
+        </p:nvSpPr>
+        <p:spPr>
+          <a:xfrm>
+            <a:off x="2884323" y="2481422"/>
+            <a:ext cx="1326004" cy="523220"/>
+          </a:xfrm>
+          <a:prstGeom prst="rect">
+            <a:avLst/>
+          </a:prstGeom>
+          <a:noFill/>
+        </p:spPr>
+        <p:txBody>
+          <a:bodyPr wrap="none" rtlCol="0">
+            <a:spAutoFit/>
+          </a:bodyPr>
+          <a:lstStyle/>
+          <a:p>
+            <a:r>
+              <a:rPr lang="en-US" sz="2800" dirty="0">
+                <a:latin typeface="Arial" panose="020B0604020202020204" pitchFamily="34" charset="0"/>
+                <a:cs typeface="Arial" panose="020B0604020202020204" pitchFamily="34" charset="0"/>
+              </a:rPr>
+              <a:t>Django</a:t>
+            </a:r>
+          </a:p>
+        </p:txBody>
+      </p:sp>
+      <p:pic>
+        <p:nvPicPr>
+          <p:cNvPr id="2050" name="Picture 2">
+            <a:extLst>
+              <a:ext uri="{FF2B5EF4-FFF2-40B4-BE49-F238E27FC236}">
+                <a16:creationId xmlns:a16="http://schemas.microsoft.com/office/drawing/2014/main" id="{D6BD61A7-472D-451C-A7EB-5E63FB3759B6}"/>
+              </a:ext>
+            </a:extLst>
+          </p:cNvPr>
+          <p:cNvPicPr>
+            <a:picLocks noChangeAspect="1" noChangeArrowheads="1"/>
+          </p:cNvPicPr>
+          <p:nvPr/>
+        </p:nvPicPr>
+        <p:blipFill>
+          <a:blip r:embed="rId2">
+            <a:extLst>
+              <a:ext uri="{28A0092B-C50C-407E-A947-70E740481C1C}">
+                <a14:useLocalDpi xmlns:a14="http://schemas.microsoft.com/office/drawing/2010/main" val="0"/>
+              </a:ext>
+            </a:extLst>
+          </a:blip>
+          <a:srcRect/>
+          <a:stretch>
+            <a:fillRect/>
+          </a:stretch>
+        </p:blipFill>
+        <p:spPr bwMode="auto">
+          <a:xfrm>
+            <a:off x="582284" y="3273323"/>
+            <a:ext cx="1842295" cy="2021096"/>
+          </a:xfrm>
+          <a:prstGeom prst="rect">
+            <a:avLst/>
+          </a:prstGeom>
+          <a:noFill/>
+          <a:extLst>
+            <a:ext uri="{909E8E84-426E-40DD-AFC4-6F175D3DCCD1}">
+              <a14:hiddenFill xmlns:a14="http://schemas.microsoft.com/office/drawing/2010/main">
+                <a:solidFill>
+                  <a:srgbClr val="FFFFFF"/>
+                </a:solidFill>
+              </a14:hiddenFill>
+            </a:ext>
+          </a:extLst>
+        </p:spPr>
+      </p:pic>
+      <p:pic>
+        <p:nvPicPr>
+          <p:cNvPr id="7" name="Рисунок 6">
+            <a:extLst>
+              <a:ext uri="{FF2B5EF4-FFF2-40B4-BE49-F238E27FC236}">
+                <a16:creationId xmlns:a16="http://schemas.microsoft.com/office/drawing/2014/main" id="{C1805CA0-4693-4979-91D8-32DA13AFE0A5}"/>
+              </a:ext>
+            </a:extLst>
+          </p:cNvPr>
+          <p:cNvPicPr>
+            <a:picLocks noChangeAspect="1"/>
+          </p:cNvPicPr>
+          <p:nvPr/>
+        </p:nvPicPr>
+        <p:blipFill>
+          <a:blip r:embed="rId3">
+            <a:extLst>
+              <a:ext uri="{28A0092B-C50C-407E-A947-70E740481C1C}">
+                <a14:useLocalDpi xmlns:a14="http://schemas.microsoft.com/office/drawing/2010/main" val="0"/>
+              </a:ext>
+            </a:extLst>
+          </a:blip>
+          <a:stretch>
+            <a:fillRect/>
+          </a:stretch>
+        </p:blipFill>
+        <p:spPr>
+          <a:xfrm>
+            <a:off x="2485570" y="3170909"/>
+            <a:ext cx="2123510" cy="2123510"/>
+          </a:xfrm>
+          <a:prstGeom prst="rect">
+            <a:avLst/>
+          </a:prstGeom>
+        </p:spPr>
+      </p:pic>
+      <p:pic>
+        <p:nvPicPr>
+          <p:cNvPr id="2052" name="Picture 4">
+            <a:extLst>
+              <a:ext uri="{FF2B5EF4-FFF2-40B4-BE49-F238E27FC236}">
+                <a16:creationId xmlns:a16="http://schemas.microsoft.com/office/drawing/2014/main" id="{D1573D60-3128-4D5F-9370-E0C542D502FB}"/>
+              </a:ext>
+            </a:extLst>
+          </p:cNvPr>
+          <p:cNvPicPr>
+            <a:picLocks noChangeAspect="1" noChangeArrowheads="1"/>
+          </p:cNvPicPr>
+          <p:nvPr/>
+        </p:nvPicPr>
+        <p:blipFill>
+          <a:blip r:embed="rId4">
+            <a:extLst>
+              <a:ext uri="{28A0092B-C50C-407E-A947-70E740481C1C}">
+                <a14:useLocalDpi xmlns:a14="http://schemas.microsoft.com/office/drawing/2010/main" val="0"/>
+              </a:ext>
+            </a:extLst>
+          </a:blip>
+          <a:srcRect/>
+          <a:stretch>
+            <a:fillRect/>
+          </a:stretch>
+        </p:blipFill>
+        <p:spPr bwMode="auto">
+          <a:xfrm>
+            <a:off x="4670070" y="3234614"/>
+            <a:ext cx="1996939" cy="2059806"/>
+          </a:xfrm>
+          <a:prstGeom prst="rect">
+            <a:avLst/>
+          </a:prstGeom>
+          <a:noFill/>
+          <a:extLst>
+            <a:ext uri="{909E8E84-426E-40DD-AFC4-6F175D3DCCD1}">
+              <a14:hiddenFill xmlns:a14="http://schemas.microsoft.com/office/drawing/2010/main">
+                <a:solidFill>
+                  <a:srgbClr val="FFFFFF"/>
+                </a:solidFill>
+              </a14:hiddenFill>
+            </a:ext>
+          </a:extLst>
+        </p:spPr>
+      </p:pic>
+      <p:pic>
+        <p:nvPicPr>
+          <p:cNvPr id="13" name="Рисунок 12">
+            <a:extLst>
+              <a:ext uri="{FF2B5EF4-FFF2-40B4-BE49-F238E27FC236}">
+                <a16:creationId xmlns:a16="http://schemas.microsoft.com/office/drawing/2014/main" id="{E5B4F663-EB8D-44E0-93BB-1C8682011ECB}"/>
+              </a:ext>
+            </a:extLst>
+          </p:cNvPr>
+          <p:cNvPicPr>
+            <a:picLocks noChangeAspect="1"/>
+          </p:cNvPicPr>
+          <p:nvPr/>
+        </p:nvPicPr>
+        <p:blipFill>
+          <a:blip r:embed="rId5">
+            <a:extLst>
+              <a:ext uri="{28A0092B-C50C-407E-A947-70E740481C1C}">
+                <a14:useLocalDpi xmlns:a14="http://schemas.microsoft.com/office/drawing/2010/main" val="0"/>
+              </a:ext>
+              <a:ext uri="{96DAC541-7B7A-43D3-8B79-37D633B846F1}">
+                <asvg:svgBlip xmlns:asvg="http://schemas.microsoft.com/office/drawing/2016/SVG/main" r:embed="rId6"/>
+              </a:ext>
+            </a:extLst>
+          </a:blip>
+          <a:stretch>
+            <a:fillRect/>
+          </a:stretch>
+        </p:blipFill>
+        <p:spPr>
+          <a:xfrm>
+            <a:off x="9038331" y="3170909"/>
+            <a:ext cx="2498783" cy="785750"/>
+          </a:xfrm>
+          <a:prstGeom prst="rect">
+            <a:avLst/>
+          </a:prstGeom>
+        </p:spPr>
+      </p:pic>
+      <p:pic>
+        <p:nvPicPr>
+          <p:cNvPr id="15" name="Рисунок 14">
+            <a:extLst>
+              <a:ext uri="{FF2B5EF4-FFF2-40B4-BE49-F238E27FC236}">
+                <a16:creationId xmlns:a16="http://schemas.microsoft.com/office/drawing/2014/main" id="{982ABD60-968C-4576-8E58-631775532227}"/>
+              </a:ext>
+            </a:extLst>
+          </p:cNvPr>
+          <p:cNvPicPr>
+            <a:picLocks noChangeAspect="1"/>
+          </p:cNvPicPr>
+          <p:nvPr/>
+        </p:nvPicPr>
+        <p:blipFill>
+          <a:blip r:embed="rId7">
+            <a:extLst>
+              <a:ext uri="{28A0092B-C50C-407E-A947-70E740481C1C}">
+                <a14:useLocalDpi xmlns:a14="http://schemas.microsoft.com/office/drawing/2010/main" val="0"/>
+              </a:ext>
+              <a:ext uri="{96DAC541-7B7A-43D3-8B79-37D633B846F1}">
+                <asvg:svgBlip xmlns:asvg="http://schemas.microsoft.com/office/drawing/2016/SVG/main" r:embed="rId8"/>
+              </a:ext>
+            </a:extLst>
+          </a:blip>
+          <a:stretch>
+            <a:fillRect/>
+          </a:stretch>
+        </p:blipFill>
+        <p:spPr>
+          <a:xfrm>
+            <a:off x="8670314" y="3484208"/>
+            <a:ext cx="3363893" cy="2242595"/>
+          </a:xfrm>
+          <a:prstGeom prst="rect">
+            <a:avLst/>
+          </a:prstGeom>
+        </p:spPr>
+      </p:pic>
+      <p:pic>
+        <p:nvPicPr>
+          <p:cNvPr id="17" name="Рисунок 16">
+            <a:extLst>
+              <a:ext uri="{FF2B5EF4-FFF2-40B4-BE49-F238E27FC236}">
+                <a16:creationId xmlns:a16="http://schemas.microsoft.com/office/drawing/2014/main" id="{C151D4F2-2EA0-47A8-B84E-53B74C83D623}"/>
+              </a:ext>
+            </a:extLst>
+          </p:cNvPr>
+          <p:cNvPicPr>
+            <a:picLocks noChangeAspect="1"/>
+          </p:cNvPicPr>
+          <p:nvPr/>
+        </p:nvPicPr>
+        <p:blipFill>
+          <a:blip r:embed="rId9">
+            <a:extLst>
+              <a:ext uri="{28A0092B-C50C-407E-A947-70E740481C1C}">
+                <a14:useLocalDpi xmlns:a14="http://schemas.microsoft.com/office/drawing/2010/main" val="0"/>
+              </a:ext>
+              <a:ext uri="{96DAC541-7B7A-43D3-8B79-37D633B846F1}">
+                <asvg:svgBlip xmlns:asvg="http://schemas.microsoft.com/office/drawing/2016/SVG/main" r:embed="rId10"/>
+              </a:ext>
+            </a:extLst>
+          </a:blip>
+          <a:stretch>
+            <a:fillRect/>
+          </a:stretch>
+        </p:blipFill>
+        <p:spPr>
+          <a:xfrm>
+            <a:off x="6690159" y="3030387"/>
+            <a:ext cx="2264032" cy="2264032"/>
+          </a:xfrm>
+          <a:prstGeom prst="rect">
+            <a:avLst/>
+          </a:prstGeom>
+        </p:spPr>
+      </p:pic>
+      <p:sp>
+        <p:nvSpPr>
+          <p:cNvPr id="20" name="TextBox 19">
+            <a:extLst>
+              <a:ext uri="{FF2B5EF4-FFF2-40B4-BE49-F238E27FC236}">
+                <a16:creationId xmlns:a16="http://schemas.microsoft.com/office/drawing/2014/main" id="{EA49B742-D268-4AD7-844B-2CC800DD4754}"/>
+              </a:ext>
+            </a:extLst>
+          </p:cNvPr>
+          <p:cNvSpPr txBox="1"/>
+          <p:nvPr/>
+        </p:nvSpPr>
+        <p:spPr>
+          <a:xfrm>
+            <a:off x="4678007" y="2487692"/>
+            <a:ext cx="2141933" cy="523220"/>
+          </a:xfrm>
+          <a:prstGeom prst="rect">
+            <a:avLst/>
+          </a:prstGeom>
+          <a:noFill/>
+        </p:spPr>
+        <p:txBody>
+          <a:bodyPr wrap="none" rtlCol="0">
+            <a:spAutoFit/>
+          </a:bodyPr>
+          <a:lstStyle/>
+          <a:p>
+            <a:r>
+              <a:rPr lang="en-US" sz="2800" dirty="0">
+                <a:latin typeface="Arial" panose="020B0604020202020204" pitchFamily="34" charset="0"/>
+                <a:cs typeface="Arial" panose="020B0604020202020204" pitchFamily="34" charset="0"/>
+              </a:rPr>
+              <a:t>PostgreSQL</a:t>
+            </a:r>
+          </a:p>
+        </p:txBody>
+      </p:sp>
+      <p:sp>
+        <p:nvSpPr>
+          <p:cNvPr id="21" name="TextBox 20">
+            <a:extLst>
+              <a:ext uri="{FF2B5EF4-FFF2-40B4-BE49-F238E27FC236}">
+                <a16:creationId xmlns:a16="http://schemas.microsoft.com/office/drawing/2014/main" id="{5667ACD8-64BC-422D-B7E0-7917E8744A77}"/>
+              </a:ext>
+            </a:extLst>
+          </p:cNvPr>
+          <p:cNvSpPr txBox="1"/>
+          <p:nvPr/>
+        </p:nvSpPr>
+        <p:spPr>
+          <a:xfrm>
+            <a:off x="7019711" y="2491744"/>
+            <a:ext cx="1604927" cy="523220"/>
+          </a:xfrm>
+          <a:prstGeom prst="rect">
+            <a:avLst/>
+          </a:prstGeom>
+          <a:noFill/>
+        </p:spPr>
+        <p:txBody>
+          <a:bodyPr wrap="none" rtlCol="0">
+            <a:spAutoFit/>
+          </a:bodyPr>
+          <a:lstStyle/>
+          <a:p>
+            <a:r>
+              <a:rPr lang="en-US" sz="2800" dirty="0">
+                <a:latin typeface="Arial" panose="020B0604020202020204" pitchFamily="34" charset="0"/>
+                <a:cs typeface="Arial" panose="020B0604020202020204" pitchFamily="34" charset="0"/>
+              </a:rPr>
+              <a:t>Swagger</a:t>
+            </a:r>
+          </a:p>
+        </p:txBody>
+      </p:sp>
+      <p:sp>
+        <p:nvSpPr>
+          <p:cNvPr id="22" name="TextBox 21">
+            <a:extLst>
+              <a:ext uri="{FF2B5EF4-FFF2-40B4-BE49-F238E27FC236}">
+                <a16:creationId xmlns:a16="http://schemas.microsoft.com/office/drawing/2014/main" id="{6E32FD70-910D-4DCD-B0F7-8793A270CD09}"/>
+              </a:ext>
+            </a:extLst>
+          </p:cNvPr>
+          <p:cNvSpPr txBox="1"/>
+          <p:nvPr/>
+        </p:nvSpPr>
+        <p:spPr>
+          <a:xfrm>
+            <a:off x="9107751" y="2486587"/>
+            <a:ext cx="2359941" cy="523220"/>
+          </a:xfrm>
+          <a:prstGeom prst="rect">
+            <a:avLst/>
+          </a:prstGeom>
+          <a:noFill/>
+        </p:spPr>
+        <p:txBody>
+          <a:bodyPr wrap="none" rtlCol="0">
+            <a:spAutoFit/>
+          </a:bodyPr>
+          <a:lstStyle/>
+          <a:p>
+            <a:r>
+              <a:rPr lang="en-US" sz="2800" dirty="0" err="1">
+                <a:latin typeface="Arial" panose="020B0604020202020204" pitchFamily="34" charset="0"/>
+                <a:cs typeface="Arial" panose="020B0604020202020204" pitchFamily="34" charset="0"/>
+              </a:rPr>
+              <a:t>uWSGI</a:t>
+            </a:r>
+            <a:r>
+              <a:rPr lang="en-US" sz="2800" dirty="0">
+                <a:latin typeface="Arial" panose="020B0604020202020204" pitchFamily="34" charset="0"/>
+                <a:cs typeface="Arial" panose="020B0604020202020204" pitchFamily="34" charset="0"/>
+              </a:rPr>
+              <a:t> Nginx</a:t>
+            </a:r>
+          </a:p>
+        </p:txBody>
+      </p:sp>
+    </p:spTree>
+    <p:extLst>
+      <p:ext uri="{BB962C8B-B14F-4D97-AF65-F5344CB8AC3E}">
+        <p14:creationId xmlns:p14="http://schemas.microsoft.com/office/powerpoint/2010/main" val="2161608857"/>
       </p:ext>
     </p:extLst>
   </p:cSld>

--- a/Презентация технического задания.pptx
+++ b/Презентация технического задания.pptx
@@ -273,7 +273,7 @@
           <a:p>
             <a:fld id="{370E8556-8EF3-4F0B-8C80-B751E2C529BE}" type="datetimeFigureOut">
               <a:rPr lang="ru-RU" smtClean="0"/>
-              <a:t>13.03.2024</a:t>
+              <a:t>14.03.2024</a:t>
             </a:fld>
             <a:endParaRPr lang="ru-RU"/>
           </a:p>
@@ -471,7 +471,7 @@
           <a:p>
             <a:fld id="{370E8556-8EF3-4F0B-8C80-B751E2C529BE}" type="datetimeFigureOut">
               <a:rPr lang="ru-RU" smtClean="0"/>
-              <a:t>13.03.2024</a:t>
+              <a:t>14.03.2024</a:t>
             </a:fld>
             <a:endParaRPr lang="ru-RU"/>
           </a:p>
@@ -679,7 +679,7 @@
           <a:p>
             <a:fld id="{370E8556-8EF3-4F0B-8C80-B751E2C529BE}" type="datetimeFigureOut">
               <a:rPr lang="ru-RU" smtClean="0"/>
-              <a:t>13.03.2024</a:t>
+              <a:t>14.03.2024</a:t>
             </a:fld>
             <a:endParaRPr lang="ru-RU"/>
           </a:p>
@@ -877,7 +877,7 @@
           <a:p>
             <a:fld id="{370E8556-8EF3-4F0B-8C80-B751E2C529BE}" type="datetimeFigureOut">
               <a:rPr lang="ru-RU" smtClean="0"/>
-              <a:t>13.03.2024</a:t>
+              <a:t>14.03.2024</a:t>
             </a:fld>
             <a:endParaRPr lang="ru-RU"/>
           </a:p>
@@ -1152,7 +1152,7 @@
           <a:p>
             <a:fld id="{370E8556-8EF3-4F0B-8C80-B751E2C529BE}" type="datetimeFigureOut">
               <a:rPr lang="ru-RU" smtClean="0"/>
-              <a:t>13.03.2024</a:t>
+              <a:t>14.03.2024</a:t>
             </a:fld>
             <a:endParaRPr lang="ru-RU"/>
           </a:p>
@@ -1417,7 +1417,7 @@
           <a:p>
             <a:fld id="{370E8556-8EF3-4F0B-8C80-B751E2C529BE}" type="datetimeFigureOut">
               <a:rPr lang="ru-RU" smtClean="0"/>
-              <a:t>13.03.2024</a:t>
+              <a:t>14.03.2024</a:t>
             </a:fld>
             <a:endParaRPr lang="ru-RU"/>
           </a:p>
@@ -1829,7 +1829,7 @@
           <a:p>
             <a:fld id="{370E8556-8EF3-4F0B-8C80-B751E2C529BE}" type="datetimeFigureOut">
               <a:rPr lang="ru-RU" smtClean="0"/>
-              <a:t>13.03.2024</a:t>
+              <a:t>14.03.2024</a:t>
             </a:fld>
             <a:endParaRPr lang="ru-RU"/>
           </a:p>
@@ -1970,7 +1970,7 @@
           <a:p>
             <a:fld id="{370E8556-8EF3-4F0B-8C80-B751E2C529BE}" type="datetimeFigureOut">
               <a:rPr lang="ru-RU" smtClean="0"/>
-              <a:t>13.03.2024</a:t>
+              <a:t>14.03.2024</a:t>
             </a:fld>
             <a:endParaRPr lang="ru-RU"/>
           </a:p>
@@ -2083,7 +2083,7 @@
           <a:p>
             <a:fld id="{370E8556-8EF3-4F0B-8C80-B751E2C529BE}" type="datetimeFigureOut">
               <a:rPr lang="ru-RU" smtClean="0"/>
-              <a:t>13.03.2024</a:t>
+              <a:t>14.03.2024</a:t>
             </a:fld>
             <a:endParaRPr lang="ru-RU"/>
           </a:p>
@@ -2394,7 +2394,7 @@
           <a:p>
             <a:fld id="{370E8556-8EF3-4F0B-8C80-B751E2C529BE}" type="datetimeFigureOut">
               <a:rPr lang="ru-RU" smtClean="0"/>
-              <a:t>13.03.2024</a:t>
+              <a:t>14.03.2024</a:t>
             </a:fld>
             <a:endParaRPr lang="ru-RU"/>
           </a:p>
@@ -2682,7 +2682,7 @@
           <a:p>
             <a:fld id="{370E8556-8EF3-4F0B-8C80-B751E2C529BE}" type="datetimeFigureOut">
               <a:rPr lang="ru-RU" smtClean="0"/>
-              <a:t>13.03.2024</a:t>
+              <a:t>14.03.2024</a:t>
             </a:fld>
             <a:endParaRPr lang="ru-RU"/>
           </a:p>
@@ -2923,7 +2923,7 @@
           <a:p>
             <a:fld id="{370E8556-8EF3-4F0B-8C80-B751E2C529BE}" type="datetimeFigureOut">
               <a:rPr lang="ru-RU" smtClean="0"/>
-              <a:t>13.03.2024</a:t>
+              <a:t>14.03.2024</a:t>
             </a:fld>
             <a:endParaRPr lang="ru-RU"/>
           </a:p>
@@ -4363,7 +4363,7 @@
                 <a:latin typeface="Arial" panose="020B0604020202020204" pitchFamily="34" charset="0"/>
                 <a:cs typeface="Arial" panose="020B0604020202020204" pitchFamily="34" charset="0"/>
               </a:rPr>
-              <a:t> Возможность оплаты через банковские карты, добавление просмотра профилей пользователей и взаимодействий с ними, подсчета калорий, подбор рациона питания, возможности просматривать статьи о здоровье и спорте, интеграции с умными девайсами, занятий с тренером.</a:t>
+              <a:t> Возможность оплаты через банковские карты, добавление просмотра профилей пользователей и взаимодействий с ними, подсчета калорий, подбора рациона питания, возможности просматривать статьи о здоровье и спорте, интеграции с умными девайсами, занятий с тренером.</a:t>
             </a:r>
             <a:endParaRPr lang="ru-RU" b="1" dirty="0">
               <a:latin typeface="Arial" panose="020B0604020202020204" pitchFamily="34" charset="0"/>
@@ -4462,7 +4462,7 @@
                 <a:latin typeface="Arial" panose="020B0604020202020204" pitchFamily="34" charset="0"/>
                 <a:cs typeface="Arial" panose="020B0604020202020204" pitchFamily="34" charset="0"/>
               </a:rPr>
-              <a:t>Наше приложение предоставляет уникальную возможность не только заниматься спортом, но и персонализировать его под себя! Создавайте персонализированные тренировки, делитесь и делитесь ими со своими друзьями. Присоединяйтесь к нашему приложению, чтобы не просто тренироваться, а быть частью уникального и поддерживаемого сообщества!</a:t>
+              <a:t>Наше приложение предоставляет уникальную возможность не только заниматься спортом, но и персонализировать его под себя! Создавайте персонализированные тренировки и делитесь ими со своими друзьями. Присоединяйтесь к нашему приложению, чтобы не просто тренироваться, а быть частью уникального сообщества!</a:t>
             </a:r>
           </a:p>
         </p:txBody>
@@ -5054,7 +5054,7 @@
                 <a:latin typeface="Arial" panose="020B0604020202020204" pitchFamily="34" charset="0"/>
                 <a:cs typeface="Arial" panose="020B0604020202020204" pitchFamily="34" charset="0"/>
               </a:rPr>
-              <a:t>Даниил Олегович – бизнес аналитик, дизайнер, </a:t>
+              <a:t>Тернавский Даниил – бизнес аналитик, дизайнер, </a:t>
             </a:r>
             <a:r>
               <a:rPr lang="ru-RU" dirty="0" err="1">
@@ -5074,7 +5074,7 @@
                 <a:latin typeface="Arial" panose="020B0604020202020204" pitchFamily="34" charset="0"/>
                 <a:cs typeface="Arial" panose="020B0604020202020204" pitchFamily="34" charset="0"/>
               </a:rPr>
-              <a:t>Иван Юрьевич – системный аналитик, QA, </a:t>
+              <a:t>Таранцов Иван – системный аналитик, QA, </a:t>
             </a:r>
             <a:r>
               <a:rPr lang="ru-RU" dirty="0" err="1">
@@ -5497,21 +5497,21 @@
                 <a:latin typeface="Arial" panose="020B0604020202020204" pitchFamily="34" charset="0"/>
                 <a:cs typeface="Arial" panose="020B0604020202020204" pitchFamily="34" charset="0"/>
               </a:rPr>
-              <a:t> фитнес тренировки </a:t>
-            </a:r>
-            <a:r>
-              <a:rPr lang="ru-RU" dirty="0" err="1">
-                <a:latin typeface="Arial" panose="020B0604020202020204" pitchFamily="34" charset="0"/>
-                <a:cs typeface="Arial" panose="020B0604020202020204" pitchFamily="34" charset="0"/>
-              </a:rPr>
-              <a:t>дома,в</a:t>
+              <a:t> фитнес тренировки дома,</a:t>
+            </a:r>
+            <a:r>
+              <a:rPr lang="en-US" dirty="0">
+                <a:latin typeface="Arial" panose="020B0604020202020204" pitchFamily="34" charset="0"/>
+                <a:cs typeface="Arial" panose="020B0604020202020204" pitchFamily="34" charset="0"/>
+              </a:rPr>
+              <a:t> </a:t>
             </a:r>
             <a:r>
               <a:rPr lang="ru-RU" dirty="0">
                 <a:latin typeface="Arial" panose="020B0604020202020204" pitchFamily="34" charset="0"/>
                 <a:cs typeface="Arial" panose="020B0604020202020204" pitchFamily="34" charset="0"/>
               </a:rPr>
-              <a:t> зале</a:t>
+              <a:t>в зале</a:t>
             </a:r>
             <a:endParaRPr lang="en-US" dirty="0">
               <a:latin typeface="Arial" panose="020B0604020202020204" pitchFamily="34" charset="0"/>
@@ -5804,8 +5804,8 @@
         </p:blipFill>
         <p:spPr>
           <a:xfrm>
-            <a:off x="2311805" y="3283532"/>
-            <a:ext cx="3340989" cy="2505742"/>
+            <a:off x="3035705" y="3283533"/>
+            <a:ext cx="2511705" cy="1883779"/>
           </a:xfrm>
           <a:prstGeom prst="rect">
             <a:avLst/>
@@ -5826,7 +5826,7 @@
         </p:nvSpPr>
         <p:spPr>
           <a:xfrm>
-            <a:off x="3380211" y="2487569"/>
+            <a:off x="3689469" y="2527215"/>
             <a:ext cx="1204176" cy="523220"/>
           </a:xfrm>
           <a:prstGeom prst="rect">
@@ -5881,8 +5881,8 @@
         </p:blipFill>
         <p:spPr>
           <a:xfrm>
-            <a:off x="6539207" y="3283533"/>
-            <a:ext cx="2505741" cy="2505741"/>
+            <a:off x="6418018" y="3283533"/>
+            <a:ext cx="1883778" cy="1883778"/>
           </a:xfrm>
           <a:prstGeom prst="rect">
             <a:avLst/>
@@ -5903,7 +5903,7 @@
         </p:nvSpPr>
         <p:spPr>
           <a:xfrm>
-            <a:off x="7359907" y="2487569"/>
+            <a:off x="6927737" y="2487570"/>
             <a:ext cx="864339" cy="523220"/>
           </a:xfrm>
           <a:prstGeom prst="rect">

--- a/Презентация технического задания.pptx
+++ b/Презентация технического задания.pptx
@@ -4227,7 +4227,7 @@
                 <a:latin typeface="Arial" panose="020B0604020202020204" pitchFamily="34" charset="0"/>
                 <a:cs typeface="Arial" panose="020B0604020202020204" pitchFamily="34" charset="0"/>
               </a:rPr>
-              <a:t>Заработок будет осуществляться через премиум подписки для доступа к эксклюзивным курсам тренировок</a:t>
+              <a:t>Монетизация в приложении будет осуществляться через премиум подписки для доступа к эксклюзивным курсам тренировок</a:t>
             </a:r>
           </a:p>
         </p:txBody>
@@ -4363,7 +4363,7 @@
                 <a:latin typeface="Arial" panose="020B0604020202020204" pitchFamily="34" charset="0"/>
                 <a:cs typeface="Arial" panose="020B0604020202020204" pitchFamily="34" charset="0"/>
               </a:rPr>
-              <a:t> Возможность оплаты через банковские карты, добавление просмотра профилей пользователей и взаимодействий с ними, подсчета калорий, подбора рациона питания, возможности просматривать статьи о здоровье и спорте, интеграции с умными девайсами, занятий с тренером.</a:t>
+              <a:t> Возможность оплаты через банковские карты, добавление просмотра профилей пользователей и взаимодействий с ними, подсчета калорий, подбора рациона питания, возможности просматривать статьи о здоровье и спорте, интеграции с умными девайсами, занятий с тренером</a:t>
             </a:r>
             <a:endParaRPr lang="ru-RU" b="1" dirty="0">
               <a:latin typeface="Arial" panose="020B0604020202020204" pitchFamily="34" charset="0"/>
@@ -5013,35 +5013,28 @@
                 <a:latin typeface="Arial" panose="020B0604020202020204" pitchFamily="34" charset="0"/>
                 <a:cs typeface="Arial" panose="020B0604020202020204" pitchFamily="34" charset="0"/>
               </a:rPr>
+              <a:t> технический</a:t>
+            </a:r>
+            <a:r>
+              <a:rPr lang="en-US" dirty="0">
+                <a:latin typeface="Arial" panose="020B0604020202020204" pitchFamily="34" charset="0"/>
+                <a:cs typeface="Arial" panose="020B0604020202020204" pitchFamily="34" charset="0"/>
+              </a:rPr>
               <a:t> </a:t>
             </a:r>
             <a:r>
-              <a:rPr lang="en-US" dirty="0" err="1">
-                <a:latin typeface="Arial" panose="020B0604020202020204" pitchFamily="34" charset="0"/>
-                <a:cs typeface="Arial" panose="020B0604020202020204" pitchFamily="34" charset="0"/>
-              </a:rPr>
-              <a:t>технический</a:t>
+              <a:rPr lang="ru-RU" dirty="0">
+                <a:latin typeface="Arial" panose="020B0604020202020204" pitchFamily="34" charset="0"/>
+                <a:cs typeface="Arial" panose="020B0604020202020204" pitchFamily="34" charset="0"/>
+              </a:rPr>
+              <a:t>писатель</a:t>
             </a:r>
             <a:r>
               <a:rPr lang="en-US" dirty="0">
                 <a:latin typeface="Arial" panose="020B0604020202020204" pitchFamily="34" charset="0"/>
                 <a:cs typeface="Arial" panose="020B0604020202020204" pitchFamily="34" charset="0"/>
               </a:rPr>
-              <a:t> </a:t>
-            </a:r>
-            <a:r>
-              <a:rPr lang="en-US" dirty="0" err="1">
-                <a:latin typeface="Arial" panose="020B0604020202020204" pitchFamily="34" charset="0"/>
-                <a:cs typeface="Arial" panose="020B0604020202020204" pitchFamily="34" charset="0"/>
-              </a:rPr>
-              <a:t>писатель</a:t>
-            </a:r>
-            <a:r>
-              <a:rPr lang="en-US" dirty="0">
-                <a:latin typeface="Arial" panose="020B0604020202020204" pitchFamily="34" charset="0"/>
-                <a:cs typeface="Arial" panose="020B0604020202020204" pitchFamily="34" charset="0"/>
-              </a:rPr>
-              <a:t>, backend</a:t>
+              <a:t>, backend developer</a:t>
             </a:r>
             <a:endParaRPr lang="ru-RU" dirty="0">
               <a:latin typeface="Arial" panose="020B0604020202020204" pitchFamily="34" charset="0"/>
@@ -5057,11 +5050,11 @@
               <a:t>Тернавский Даниил – бизнес аналитик, дизайнер, </a:t>
             </a:r>
             <a:r>
-              <a:rPr lang="ru-RU" dirty="0" err="1">
-                <a:latin typeface="Arial" panose="020B0604020202020204" pitchFamily="34" charset="0"/>
-                <a:cs typeface="Arial" panose="020B0604020202020204" pitchFamily="34" charset="0"/>
-              </a:rPr>
-              <a:t>frontend</a:t>
+              <a:rPr lang="en-US" dirty="0">
+                <a:latin typeface="Arial" panose="020B0604020202020204" pitchFamily="34" charset="0"/>
+                <a:cs typeface="Arial" panose="020B0604020202020204" pitchFamily="34" charset="0"/>
+              </a:rPr>
+              <a:t>mobile developer</a:t>
             </a:r>
             <a:endParaRPr lang="ru-RU" dirty="0">
               <a:latin typeface="Arial" panose="020B0604020202020204" pitchFamily="34" charset="0"/>
@@ -5077,11 +5070,11 @@
               <a:t>Таранцов Иван – системный аналитик, QA, </a:t>
             </a:r>
             <a:r>
-              <a:rPr lang="ru-RU" dirty="0" err="1">
-                <a:latin typeface="Arial" panose="020B0604020202020204" pitchFamily="34" charset="0"/>
-                <a:cs typeface="Arial" panose="020B0604020202020204" pitchFamily="34" charset="0"/>
-              </a:rPr>
-              <a:t>frontend</a:t>
+              <a:rPr lang="en-US" dirty="0">
+                <a:latin typeface="Arial" panose="020B0604020202020204" pitchFamily="34" charset="0"/>
+                <a:cs typeface="Arial" panose="020B0604020202020204" pitchFamily="34" charset="0"/>
+              </a:rPr>
+              <a:t>mobile developer</a:t>
             </a:r>
             <a:endParaRPr lang="ru-RU" dirty="0">
               <a:latin typeface="Arial" panose="020B0604020202020204" pitchFamily="34" charset="0"/>
@@ -5370,7 +5363,7 @@
                 <a:latin typeface="Arial" panose="020B0604020202020204" pitchFamily="34" charset="0"/>
                 <a:cs typeface="Arial" panose="020B0604020202020204" pitchFamily="34" charset="0"/>
               </a:rPr>
-              <a:t>«FitHub» позволяет создание персонализированных тренировочных планов и отслеживание прогресса, с возможностью просмотра и оценки тренировок других пользователей, а также разработку собственных тренировок через удобный конструктор и их публикацию</a:t>
+              <a:t>«FitHub» позволяет создавать индивидуальные тренировочные планы  через удобный конструктор, просматривать, оценивать и комментировать тренировки других пользователей, а также отслеживать свой прогресс</a:t>
             </a:r>
           </a:p>
         </p:txBody>
@@ -5462,68 +5455,22 @@
                 <a:latin typeface="Arial" panose="020B0604020202020204" pitchFamily="34" charset="0"/>
                 <a:cs typeface="Arial" panose="020B0604020202020204" pitchFamily="34" charset="0"/>
               </a:rPr>
-              <a:t>F</a:t>
-            </a:r>
-            <a:r>
-              <a:rPr lang="ru-RU" dirty="0" err="1">
-                <a:latin typeface="Arial" panose="020B0604020202020204" pitchFamily="34" charset="0"/>
-                <a:cs typeface="Arial" panose="020B0604020202020204" pitchFamily="34" charset="0"/>
-              </a:rPr>
-              <a:t>itness</a:t>
+              <a:t>Fitness Online – </a:t>
             </a:r>
             <a:r>
               <a:rPr lang="ru-RU" dirty="0">
                 <a:latin typeface="Arial" panose="020B0604020202020204" pitchFamily="34" charset="0"/>
                 <a:cs typeface="Arial" panose="020B0604020202020204" pitchFamily="34" charset="0"/>
               </a:rPr>
-              <a:t> </a:t>
-            </a:r>
-            <a:r>
-              <a:rPr lang="ru-RU" dirty="0" err="1">
-                <a:latin typeface="Arial" panose="020B0604020202020204" pitchFamily="34" charset="0"/>
-                <a:cs typeface="Arial" panose="020B0604020202020204" pitchFamily="34" charset="0"/>
-              </a:rPr>
-              <a:t>online</a:t>
-            </a:r>
+              <a:t>фитнес тренировки дома, в зале</a:t>
+            </a:r>
+          </a:p>
+          <a:p>
             <a:r>
               <a:rPr lang="en-US" dirty="0">
                 <a:latin typeface="Arial" panose="020B0604020202020204" pitchFamily="34" charset="0"/>
                 <a:cs typeface="Arial" panose="020B0604020202020204" pitchFamily="34" charset="0"/>
               </a:rPr>
-              <a:t> – </a:t>
-            </a:r>
-            <a:r>
-              <a:rPr lang="ru-RU" dirty="0">
-                <a:latin typeface="Arial" panose="020B0604020202020204" pitchFamily="34" charset="0"/>
-                <a:cs typeface="Arial" panose="020B0604020202020204" pitchFamily="34" charset="0"/>
-              </a:rPr>
-              <a:t> фитнес тренировки дома,</a:t>
-            </a:r>
-            <a:r>
-              <a:rPr lang="en-US" dirty="0">
-                <a:latin typeface="Arial" panose="020B0604020202020204" pitchFamily="34" charset="0"/>
-                <a:cs typeface="Arial" panose="020B0604020202020204" pitchFamily="34" charset="0"/>
-              </a:rPr>
-              <a:t> </a:t>
-            </a:r>
-            <a:r>
-              <a:rPr lang="ru-RU" dirty="0">
-                <a:latin typeface="Arial" panose="020B0604020202020204" pitchFamily="34" charset="0"/>
-                <a:cs typeface="Arial" panose="020B0604020202020204" pitchFamily="34" charset="0"/>
-              </a:rPr>
-              <a:t>в зале</a:t>
-            </a:r>
-            <a:endParaRPr lang="en-US" dirty="0">
-              <a:latin typeface="Arial" panose="020B0604020202020204" pitchFamily="34" charset="0"/>
-              <a:cs typeface="Arial" panose="020B0604020202020204" pitchFamily="34" charset="0"/>
-            </a:endParaRPr>
-          </a:p>
-          <a:p>
-            <a:r>
-              <a:rPr lang="en-US" dirty="0">
-                <a:latin typeface="Arial" panose="020B0604020202020204" pitchFamily="34" charset="0"/>
-                <a:cs typeface="Arial" panose="020B0604020202020204" pitchFamily="34" charset="0"/>
-              </a:rPr>
               <a:t>PUMATRAC Run, Train, Fitness</a:t>
             </a:r>
           </a:p>
@@ -5533,7 +5480,7 @@
                 <a:latin typeface="Arial" panose="020B0604020202020204" pitchFamily="34" charset="0"/>
                 <a:cs typeface="Arial" panose="020B0604020202020204" pitchFamily="34" charset="0"/>
               </a:rPr>
-              <a:t>Freeletics</a:t>
+              <a:t>Freelestics</a:t>
             </a:r>
             <a:r>
               <a:rPr lang="en-US" dirty="0">
@@ -6047,7 +5994,7 @@
         </p:nvSpPr>
         <p:spPr>
           <a:xfrm>
-            <a:off x="851650" y="2477360"/>
+            <a:off x="830023" y="2477360"/>
             <a:ext cx="1303562" cy="523220"/>
           </a:xfrm>
           <a:prstGeom prst="rect">
@@ -6085,7 +6032,7 @@
         </p:nvSpPr>
         <p:spPr>
           <a:xfrm>
-            <a:off x="2884323" y="2481422"/>
+            <a:off x="2938675" y="2491264"/>
             <a:ext cx="1326004" cy="523220"/>
           </a:xfrm>
           <a:prstGeom prst="rect">
@@ -6138,8 +6085,8 @@
         </p:blipFill>
         <p:spPr bwMode="auto">
           <a:xfrm>
-            <a:off x="582284" y="3273323"/>
-            <a:ext cx="1842295" cy="2021096"/>
+            <a:off x="668418" y="3273323"/>
+            <a:ext cx="1626773" cy="1784657"/>
           </a:xfrm>
           <a:prstGeom prst="rect">
             <a:avLst/>
@@ -6184,8 +6131,8 @@
         </p:blipFill>
         <p:spPr>
           <a:xfrm>
-            <a:off x="2485570" y="3170909"/>
-            <a:ext cx="2123510" cy="2123510"/>
+            <a:off x="2668134" y="3170909"/>
+            <a:ext cx="1874441" cy="1874441"/>
           </a:xfrm>
           <a:prstGeom prst="rect">
             <a:avLst/>
@@ -6221,8 +6168,8 @@
         </p:blipFill>
         <p:spPr bwMode="auto">
           <a:xfrm>
-            <a:off x="4670070" y="3234614"/>
-            <a:ext cx="1996939" cy="2059806"/>
+            <a:off x="4919723" y="3203622"/>
+            <a:ext cx="1767715" cy="1823366"/>
           </a:xfrm>
           <a:prstGeom prst="rect">
             <a:avLst/>
@@ -6270,8 +6217,8 @@
         </p:blipFill>
         <p:spPr>
           <a:xfrm>
-            <a:off x="9038331" y="3170909"/>
-            <a:ext cx="2498783" cy="785750"/>
+            <a:off x="6535038" y="5640572"/>
+            <a:ext cx="2016961" cy="634240"/>
           </a:xfrm>
           <a:prstGeom prst="rect">
             <a:avLst/>
@@ -6309,7 +6256,7 @@
         </p:blipFill>
         <p:spPr>
           <a:xfrm>
-            <a:off x="8670314" y="3484208"/>
+            <a:off x="2860628" y="4869920"/>
             <a:ext cx="3363893" cy="2242595"/>
           </a:xfrm>
           <a:prstGeom prst="rect">
@@ -6348,8 +6295,8 @@
         </p:blipFill>
         <p:spPr>
           <a:xfrm>
-            <a:off x="6690159" y="3030387"/>
-            <a:ext cx="2264032" cy="2264032"/>
+            <a:off x="9709258" y="3082886"/>
+            <a:ext cx="2016961" cy="2016961"/>
           </a:xfrm>
           <a:prstGeom prst="rect">
             <a:avLst/>
@@ -6370,7 +6317,7 @@
         </p:nvSpPr>
         <p:spPr>
           <a:xfrm>
-            <a:off x="4678007" y="2487692"/>
+            <a:off x="4732613" y="2504156"/>
             <a:ext cx="2141933" cy="523220"/>
           </a:xfrm>
           <a:prstGeom prst="rect">
@@ -6408,7 +6355,7 @@
         </p:nvSpPr>
         <p:spPr>
           <a:xfrm>
-            <a:off x="7019711" y="2491744"/>
+            <a:off x="9915274" y="2491264"/>
             <a:ext cx="1604927" cy="523220"/>
           </a:xfrm>
           <a:prstGeom prst="rect">
@@ -6432,12 +6379,48 @@
           </a:p>
         </p:txBody>
       </p:sp>
-      <p:sp>
-        <p:nvSpPr>
-          <p:cNvPr id="22" name="TextBox 21">
-            <a:extLst>
-              <a:ext uri="{FF2B5EF4-FFF2-40B4-BE49-F238E27FC236}">
-                <a16:creationId xmlns:a16="http://schemas.microsoft.com/office/drawing/2014/main" id="{6E32FD70-910D-4DCD-B0F7-8793A270CD09}"/>
+      <p:pic>
+        <p:nvPicPr>
+          <p:cNvPr id="9" name="Рисунок 8">
+            <a:extLst>
+              <a:ext uri="{FF2B5EF4-FFF2-40B4-BE49-F238E27FC236}">
+                <a16:creationId xmlns:a16="http://schemas.microsoft.com/office/drawing/2014/main" id="{840867B5-087C-4F54-AC4A-EC3947EB3BE2}"/>
+              </a:ext>
+            </a:extLst>
+          </p:cNvPr>
+          <p:cNvPicPr>
+            <a:picLocks noChangeAspect="1"/>
+          </p:cNvPicPr>
+          <p:nvPr/>
+        </p:nvPicPr>
+        <p:blipFill>
+          <a:blip r:embed="rId11">
+            <a:extLst>
+              <a:ext uri="{28A0092B-C50C-407E-A947-70E740481C1C}">
+                <a14:useLocalDpi xmlns:a14="http://schemas.microsoft.com/office/drawing/2010/main" val="0"/>
+              </a:ext>
+            </a:extLst>
+          </a:blip>
+          <a:stretch>
+            <a:fillRect/>
+          </a:stretch>
+        </p:blipFill>
+        <p:spPr>
+          <a:xfrm>
+            <a:off x="7066945" y="2801501"/>
+            <a:ext cx="2461079" cy="2461079"/>
+          </a:xfrm>
+          <a:prstGeom prst="rect">
+            <a:avLst/>
+          </a:prstGeom>
+        </p:spPr>
+      </p:pic>
+      <p:sp>
+        <p:nvSpPr>
+          <p:cNvPr id="23" name="TextBox 22">
+            <a:extLst>
+              <a:ext uri="{FF2B5EF4-FFF2-40B4-BE49-F238E27FC236}">
+                <a16:creationId xmlns:a16="http://schemas.microsoft.com/office/drawing/2014/main" id="{5951396E-7A63-45B7-AA65-092554EC1084}"/>
               </a:ext>
             </a:extLst>
           </p:cNvPr>
@@ -6446,8 +6429,8 @@
         </p:nvSpPr>
         <p:spPr>
           <a:xfrm>
-            <a:off x="9107751" y="2486587"/>
-            <a:ext cx="2359941" cy="523220"/>
+            <a:off x="7635283" y="2477360"/>
+            <a:ext cx="1324402" cy="523220"/>
           </a:xfrm>
           <a:prstGeom prst="rect">
             <a:avLst/>
@@ -6461,18 +6444,11 @@
           <a:lstStyle/>
           <a:p>
             <a:r>
-              <a:rPr lang="en-US" sz="2800" dirty="0" err="1">
-                <a:latin typeface="Arial" panose="020B0604020202020204" pitchFamily="34" charset="0"/>
-                <a:cs typeface="Arial" panose="020B0604020202020204" pitchFamily="34" charset="0"/>
-              </a:rPr>
-              <a:t>uWSGI</a:t>
-            </a:r>
-            <a:r>
               <a:rPr lang="en-US" sz="2800" dirty="0">
                 <a:latin typeface="Arial" panose="020B0604020202020204" pitchFamily="34" charset="0"/>
                 <a:cs typeface="Arial" panose="020B0604020202020204" pitchFamily="34" charset="0"/>
               </a:rPr>
-              <a:t> Nginx</a:t>
+              <a:t>Docker</a:t>
             </a:r>
           </a:p>
         </p:txBody>

--- a/Презентация технического задания.pptx
+++ b/Презентация технического задания.pptx
@@ -16,10 +16,12 @@
     <p:sldId id="263" r:id="rId10"/>
     <p:sldId id="264" r:id="rId11"/>
     <p:sldId id="272" r:id="rId12"/>
-    <p:sldId id="266" r:id="rId13"/>
-    <p:sldId id="267" r:id="rId14"/>
-    <p:sldId id="270" r:id="rId15"/>
-    <p:sldId id="271" r:id="rId16"/>
+    <p:sldId id="273" r:id="rId13"/>
+    <p:sldId id="274" r:id="rId14"/>
+    <p:sldId id="266" r:id="rId15"/>
+    <p:sldId id="267" r:id="rId16"/>
+    <p:sldId id="270" r:id="rId17"/>
+    <p:sldId id="271" r:id="rId18"/>
   </p:sldIdLst>
   <p:sldSz cx="12192000" cy="6858000"/>
   <p:notesSz cx="6858000" cy="9144000"/>
@@ -273,7 +275,7 @@
           <a:p>
             <a:fld id="{370E8556-8EF3-4F0B-8C80-B751E2C529BE}" type="datetimeFigureOut">
               <a:rPr lang="ru-RU" smtClean="0"/>
-              <a:t>14.03.2024</a:t>
+              <a:t>17.03.2024</a:t>
             </a:fld>
             <a:endParaRPr lang="ru-RU"/>
           </a:p>
@@ -471,7 +473,7 @@
           <a:p>
             <a:fld id="{370E8556-8EF3-4F0B-8C80-B751E2C529BE}" type="datetimeFigureOut">
               <a:rPr lang="ru-RU" smtClean="0"/>
-              <a:t>14.03.2024</a:t>
+              <a:t>17.03.2024</a:t>
             </a:fld>
             <a:endParaRPr lang="ru-RU"/>
           </a:p>
@@ -679,7 +681,7 @@
           <a:p>
             <a:fld id="{370E8556-8EF3-4F0B-8C80-B751E2C529BE}" type="datetimeFigureOut">
               <a:rPr lang="ru-RU" smtClean="0"/>
-              <a:t>14.03.2024</a:t>
+              <a:t>17.03.2024</a:t>
             </a:fld>
             <a:endParaRPr lang="ru-RU"/>
           </a:p>
@@ -877,7 +879,7 @@
           <a:p>
             <a:fld id="{370E8556-8EF3-4F0B-8C80-B751E2C529BE}" type="datetimeFigureOut">
               <a:rPr lang="ru-RU" smtClean="0"/>
-              <a:t>14.03.2024</a:t>
+              <a:t>17.03.2024</a:t>
             </a:fld>
             <a:endParaRPr lang="ru-RU"/>
           </a:p>
@@ -1152,7 +1154,7 @@
           <a:p>
             <a:fld id="{370E8556-8EF3-4F0B-8C80-B751E2C529BE}" type="datetimeFigureOut">
               <a:rPr lang="ru-RU" smtClean="0"/>
-              <a:t>14.03.2024</a:t>
+              <a:t>17.03.2024</a:t>
             </a:fld>
             <a:endParaRPr lang="ru-RU"/>
           </a:p>
@@ -1417,7 +1419,7 @@
           <a:p>
             <a:fld id="{370E8556-8EF3-4F0B-8C80-B751E2C529BE}" type="datetimeFigureOut">
               <a:rPr lang="ru-RU" smtClean="0"/>
-              <a:t>14.03.2024</a:t>
+              <a:t>17.03.2024</a:t>
             </a:fld>
             <a:endParaRPr lang="ru-RU"/>
           </a:p>
@@ -1829,7 +1831,7 @@
           <a:p>
             <a:fld id="{370E8556-8EF3-4F0B-8C80-B751E2C529BE}" type="datetimeFigureOut">
               <a:rPr lang="ru-RU" smtClean="0"/>
-              <a:t>14.03.2024</a:t>
+              <a:t>17.03.2024</a:t>
             </a:fld>
             <a:endParaRPr lang="ru-RU"/>
           </a:p>
@@ -1970,7 +1972,7 @@
           <a:p>
             <a:fld id="{370E8556-8EF3-4F0B-8C80-B751E2C529BE}" type="datetimeFigureOut">
               <a:rPr lang="ru-RU" smtClean="0"/>
-              <a:t>14.03.2024</a:t>
+              <a:t>17.03.2024</a:t>
             </a:fld>
             <a:endParaRPr lang="ru-RU"/>
           </a:p>
@@ -2083,7 +2085,7 @@
           <a:p>
             <a:fld id="{370E8556-8EF3-4F0B-8C80-B751E2C529BE}" type="datetimeFigureOut">
               <a:rPr lang="ru-RU" smtClean="0"/>
-              <a:t>14.03.2024</a:t>
+              <a:t>17.03.2024</a:t>
             </a:fld>
             <a:endParaRPr lang="ru-RU"/>
           </a:p>
@@ -2394,7 +2396,7 @@
           <a:p>
             <a:fld id="{370E8556-8EF3-4F0B-8C80-B751E2C529BE}" type="datetimeFigureOut">
               <a:rPr lang="ru-RU" smtClean="0"/>
-              <a:t>14.03.2024</a:t>
+              <a:t>17.03.2024</a:t>
             </a:fld>
             <a:endParaRPr lang="ru-RU"/>
           </a:p>
@@ -2682,7 +2684,7 @@
           <a:p>
             <a:fld id="{370E8556-8EF3-4F0B-8C80-B751E2C529BE}" type="datetimeFigureOut">
               <a:rPr lang="ru-RU" smtClean="0"/>
-              <a:t>14.03.2024</a:t>
+              <a:t>17.03.2024</a:t>
             </a:fld>
             <a:endParaRPr lang="ru-RU"/>
           </a:p>
@@ -2923,7 +2925,7 @@
           <a:p>
             <a:fld id="{370E8556-8EF3-4F0B-8C80-B751E2C529BE}" type="datetimeFigureOut">
               <a:rPr lang="ru-RU" smtClean="0"/>
-              <a:t>14.03.2024</a:t>
+              <a:t>17.03.2024</a:t>
             </a:fld>
             <a:endParaRPr lang="ru-RU"/>
           </a:p>
@@ -4082,37 +4084,47 @@
           </a:p>
         </p:txBody>
       </p:sp>
-      <p:sp>
-        <p:nvSpPr>
-          <p:cNvPr id="5" name="Объект 4">
-            <a:extLst>
-              <a:ext uri="{FF2B5EF4-FFF2-40B4-BE49-F238E27FC236}">
-                <a16:creationId xmlns:a16="http://schemas.microsoft.com/office/drawing/2014/main" id="{70D53086-0806-4A30-A547-9EF74A059F50}"/>
-              </a:ext>
-            </a:extLst>
-          </p:cNvPr>
-          <p:cNvSpPr>
-            <a:spLocks noGrp="1"/>
-          </p:cNvSpPr>
-          <p:nvPr>
-            <p:ph idx="1"/>
-          </p:nvPr>
-        </p:nvSpPr>
-        <p:spPr/>
-        <p:txBody>
-          <a:bodyPr/>
-          <a:lstStyle/>
-          <a:p>
-            <a:endParaRPr lang="ru-RU"/>
-          </a:p>
-        </p:txBody>
-      </p:sp>
       <p:pic>
         <p:nvPicPr>
-          <p:cNvPr id="6" name="Рисунок 5">
-            <a:extLst>
-              <a:ext uri="{FF2B5EF4-FFF2-40B4-BE49-F238E27FC236}">
-                <a16:creationId xmlns:a16="http://schemas.microsoft.com/office/drawing/2014/main" id="{D2944B07-C755-42EB-866A-098AEE0605FB}"/>
+          <p:cNvPr id="10" name="Объект 9">
+            <a:extLst>
+              <a:ext uri="{FF2B5EF4-FFF2-40B4-BE49-F238E27FC236}">
+                <a16:creationId xmlns:a16="http://schemas.microsoft.com/office/drawing/2014/main" id="{6F8BCA33-9AE7-4630-9E39-B6DF92F87BB0}"/>
+              </a:ext>
+            </a:extLst>
+          </p:cNvPr>
+          <p:cNvPicPr>
+            <a:picLocks noGrp="1" noChangeAspect="1"/>
+          </p:cNvPicPr>
+          <p:nvPr>
+            <p:ph idx="1"/>
+          </p:nvPr>
+        </p:nvPicPr>
+        <p:blipFill>
+          <a:blip r:embed="rId2">
+            <a:extLst>
+              <a:ext uri="{28A0092B-C50C-407E-A947-70E740481C1C}">
+                <a14:useLocalDpi xmlns:a14="http://schemas.microsoft.com/office/drawing/2010/main" val="0"/>
+              </a:ext>
+            </a:extLst>
+          </a:blip>
+          <a:stretch>
+            <a:fillRect/>
+          </a:stretch>
+        </p:blipFill>
+        <p:spPr>
+          <a:xfrm>
+            <a:off x="1958894" y="1690688"/>
+            <a:ext cx="8274212" cy="5054600"/>
+          </a:xfrm>
+        </p:spPr>
+      </p:pic>
+      <p:pic>
+        <p:nvPicPr>
+          <p:cNvPr id="11" name="Рисунок 10">
+            <a:extLst>
+              <a:ext uri="{FF2B5EF4-FFF2-40B4-BE49-F238E27FC236}">
+                <a16:creationId xmlns:a16="http://schemas.microsoft.com/office/drawing/2014/main" id="{80393CEC-2304-4B63-A719-2DCA76F3EC2E}"/>
               </a:ext>
             </a:extLst>
           </p:cNvPr>
@@ -4122,15 +4134,15 @@
           <p:nvPr/>
         </p:nvPicPr>
         <p:blipFill>
-          <a:blip r:embed="rId2"/>
+          <a:blip r:embed="rId3"/>
           <a:stretch>
             <a:fillRect/>
           </a:stretch>
         </p:blipFill>
         <p:spPr>
           <a:xfrm>
-            <a:off x="1790327" y="1673182"/>
-            <a:ext cx="8611346" cy="4656223"/>
+            <a:off x="2571624" y="1507792"/>
+            <a:ext cx="2895851" cy="182896"/>
           </a:xfrm>
           <a:prstGeom prst="rect">
             <a:avLst/>
@@ -4193,49 +4205,80 @@
                 <a:latin typeface="Arial" panose="020B0604020202020204" pitchFamily="34" charset="0"/>
                 <a:cs typeface="Arial" panose="020B0604020202020204" pitchFamily="34" charset="0"/>
               </a:rPr>
-              <a:t>Бизнес-модель</a:t>
-            </a:r>
-          </a:p>
-        </p:txBody>
-      </p:sp>
-      <p:sp>
-        <p:nvSpPr>
-          <p:cNvPr id="3" name="Объект 2">
-            <a:extLst>
-              <a:ext uri="{FF2B5EF4-FFF2-40B4-BE49-F238E27FC236}">
-                <a16:creationId xmlns:a16="http://schemas.microsoft.com/office/drawing/2014/main" id="{0D76223C-AA72-40A2-AB72-43C474E8A15B}"/>
-              </a:ext>
-            </a:extLst>
-          </p:cNvPr>
-          <p:cNvSpPr>
-            <a:spLocks noGrp="1"/>
-          </p:cNvSpPr>
+              <a:t>Демонстрация проекта</a:t>
+            </a:r>
+          </a:p>
+        </p:txBody>
+      </p:sp>
+      <p:pic>
+        <p:nvPicPr>
+          <p:cNvPr id="7" name="Объект 6">
+            <a:extLst>
+              <a:ext uri="{FF2B5EF4-FFF2-40B4-BE49-F238E27FC236}">
+                <a16:creationId xmlns:a16="http://schemas.microsoft.com/office/drawing/2014/main" id="{EFB2D873-6249-41B2-B463-BC4C885E2B4E}"/>
+              </a:ext>
+            </a:extLst>
+          </p:cNvPr>
+          <p:cNvPicPr>
+            <a:picLocks noGrp="1" noChangeAspect="1"/>
+          </p:cNvPicPr>
           <p:nvPr>
             <p:ph idx="1"/>
           </p:nvPr>
-        </p:nvSpPr>
-        <p:spPr/>
-        <p:txBody>
-          <a:bodyPr/>
-          <a:lstStyle/>
-          <a:p>
-            <a:pPr marL="0" indent="0">
-              <a:buNone/>
-            </a:pPr>
-            <a:r>
-              <a:rPr lang="ru-RU" dirty="0">
-                <a:latin typeface="Arial" panose="020B0604020202020204" pitchFamily="34" charset="0"/>
-                <a:cs typeface="Arial" panose="020B0604020202020204" pitchFamily="34" charset="0"/>
-              </a:rPr>
-              <a:t>Монетизация в приложении будет осуществляться через премиум подписки для доступа к эксклюзивным курсам тренировок</a:t>
-            </a:r>
-          </a:p>
-        </p:txBody>
-      </p:sp>
+        </p:nvPicPr>
+        <p:blipFill>
+          <a:blip r:embed="rId2">
+            <a:extLst>
+              <a:ext uri="{28A0092B-C50C-407E-A947-70E740481C1C}">
+                <a14:useLocalDpi xmlns:a14="http://schemas.microsoft.com/office/drawing/2010/main" val="0"/>
+              </a:ext>
+            </a:extLst>
+          </a:blip>
+          <a:stretch>
+            <a:fillRect/>
+          </a:stretch>
+        </p:blipFill>
+        <p:spPr>
+          <a:xfrm>
+            <a:off x="3004329" y="1324430"/>
+            <a:ext cx="6099031" cy="6509990"/>
+          </a:xfrm>
+        </p:spPr>
+      </p:pic>
+      <p:pic>
+        <p:nvPicPr>
+          <p:cNvPr id="8" name="Рисунок 7">
+            <a:extLst>
+              <a:ext uri="{FF2B5EF4-FFF2-40B4-BE49-F238E27FC236}">
+                <a16:creationId xmlns:a16="http://schemas.microsoft.com/office/drawing/2014/main" id="{564211F9-BD0D-4382-B726-A5BE23094E58}"/>
+              </a:ext>
+            </a:extLst>
+          </p:cNvPr>
+          <p:cNvPicPr>
+            <a:picLocks noChangeAspect="1"/>
+          </p:cNvPicPr>
+          <p:nvPr/>
+        </p:nvPicPr>
+        <p:blipFill>
+          <a:blip r:embed="rId3"/>
+          <a:stretch>
+            <a:fillRect/>
+          </a:stretch>
+        </p:blipFill>
+        <p:spPr>
+          <a:xfrm>
+            <a:off x="5584546" y="1446827"/>
+            <a:ext cx="3223539" cy="243861"/>
+          </a:xfrm>
+          <a:prstGeom prst="rect">
+            <a:avLst/>
+          </a:prstGeom>
+        </p:spPr>
+      </p:pic>
     </p:spTree>
     <p:extLst>
       <p:ext uri="{BB962C8B-B14F-4D97-AF65-F5344CB8AC3E}">
-        <p14:creationId xmlns:p14="http://schemas.microsoft.com/office/powerpoint/2010/main" val="3677777870"/>
+        <p14:creationId xmlns:p14="http://schemas.microsoft.com/office/powerpoint/2010/main" val="578518884"/>
       </p:ext>
     </p:extLst>
   </p:cSld>
@@ -4288,94 +4331,80 @@
                 <a:latin typeface="Arial" panose="020B0604020202020204" pitchFamily="34" charset="0"/>
                 <a:cs typeface="Arial" panose="020B0604020202020204" pitchFamily="34" charset="0"/>
               </a:rPr>
-              <a:t>План развития</a:t>
-            </a:r>
-          </a:p>
-        </p:txBody>
-      </p:sp>
-      <p:sp>
-        <p:nvSpPr>
-          <p:cNvPr id="3" name="Объект 2">
-            <a:extLst>
-              <a:ext uri="{FF2B5EF4-FFF2-40B4-BE49-F238E27FC236}">
-                <a16:creationId xmlns:a16="http://schemas.microsoft.com/office/drawing/2014/main" id="{0D76223C-AA72-40A2-AB72-43C474E8A15B}"/>
-              </a:ext>
-            </a:extLst>
-          </p:cNvPr>
-          <p:cNvSpPr>
-            <a:spLocks noGrp="1"/>
-          </p:cNvSpPr>
+              <a:t>Демонстрация проекта</a:t>
+            </a:r>
+          </a:p>
+        </p:txBody>
+      </p:sp>
+      <p:pic>
+        <p:nvPicPr>
+          <p:cNvPr id="4" name="Объект 3">
+            <a:extLst>
+              <a:ext uri="{FF2B5EF4-FFF2-40B4-BE49-F238E27FC236}">
+                <a16:creationId xmlns:a16="http://schemas.microsoft.com/office/drawing/2014/main" id="{A96E653A-4FC7-422E-AABF-DD5D80F010E1}"/>
+              </a:ext>
+            </a:extLst>
+          </p:cNvPr>
+          <p:cNvPicPr>
+            <a:picLocks noGrp="1" noChangeAspect="1"/>
+          </p:cNvPicPr>
           <p:nvPr>
             <p:ph idx="1"/>
           </p:nvPr>
-        </p:nvSpPr>
+        </p:nvPicPr>
+        <p:blipFill>
+          <a:blip r:embed="rId2">
+            <a:extLst>
+              <a:ext uri="{28A0092B-C50C-407E-A947-70E740481C1C}">
+                <a14:useLocalDpi xmlns:a14="http://schemas.microsoft.com/office/drawing/2010/main" val="0"/>
+              </a:ext>
+            </a:extLst>
+          </a:blip>
+          <a:stretch>
+            <a:fillRect/>
+          </a:stretch>
+        </p:blipFill>
         <p:spPr>
           <a:xfrm>
-            <a:off x="838200" y="1825625"/>
-            <a:ext cx="10515600" cy="4667250"/>
+            <a:off x="2595563" y="1368469"/>
+            <a:ext cx="7000874" cy="5489531"/>
           </a:xfrm>
         </p:spPr>
-        <p:txBody>
-          <a:bodyPr>
-            <a:normAutofit/>
-          </a:bodyPr>
-          <a:lstStyle/>
-          <a:p>
-            <a:r>
-              <a:rPr lang="ru-RU" b="1" dirty="0">
-                <a:latin typeface="Arial" panose="020B0604020202020204" pitchFamily="34" charset="0"/>
-                <a:cs typeface="Arial" panose="020B0604020202020204" pitchFamily="34" charset="0"/>
-              </a:rPr>
-              <a:t>Краткосрочные цели: </a:t>
-            </a:r>
-            <a:r>
-              <a:rPr lang="ru-RU" dirty="0">
-                <a:latin typeface="Arial" panose="020B0604020202020204" pitchFamily="34" charset="0"/>
-                <a:cs typeface="Arial" panose="020B0604020202020204" pitchFamily="34" charset="0"/>
-              </a:rPr>
-              <a:t>Запуск </a:t>
-            </a:r>
-            <a:r>
-              <a:rPr lang="en-US" dirty="0">
-                <a:latin typeface="Arial" panose="020B0604020202020204" pitchFamily="34" charset="0"/>
-                <a:cs typeface="Arial" panose="020B0604020202020204" pitchFamily="34" charset="0"/>
-              </a:rPr>
-              <a:t>MVP</a:t>
-            </a:r>
-            <a:r>
-              <a:rPr lang="ru-RU" dirty="0">
-                <a:latin typeface="Arial" panose="020B0604020202020204" pitchFamily="34" charset="0"/>
-                <a:cs typeface="Arial" panose="020B0604020202020204" pitchFamily="34" charset="0"/>
-              </a:rPr>
-              <a:t>, привлечение первых активных пользователей, сбор обратной связи для улучшения функционала</a:t>
-            </a:r>
-          </a:p>
-          <a:p>
-            <a:r>
-              <a:rPr lang="ru-RU" b="1" dirty="0">
-                <a:latin typeface="Arial" panose="020B0604020202020204" pitchFamily="34" charset="0"/>
-                <a:cs typeface="Arial" panose="020B0604020202020204" pitchFamily="34" charset="0"/>
-              </a:rPr>
-              <a:t>Долгосрочные цели:</a:t>
-            </a:r>
-            <a:r>
-              <a:rPr lang="ru-RU" dirty="0">
-                <a:latin typeface="Arial" panose="020B0604020202020204" pitchFamily="34" charset="0"/>
-                <a:cs typeface="Arial" panose="020B0604020202020204" pitchFamily="34" charset="0"/>
-              </a:rPr>
-              <a:t> Возможность оплаты через банковские карты, добавление просмотра профилей пользователей и взаимодействий с ними, подсчета калорий, подбора рациона питания, возможности просматривать статьи о здоровье и спорте, интеграции с умными девайсами, занятий с тренером</a:t>
-            </a:r>
-            <a:endParaRPr lang="ru-RU" b="1" dirty="0">
-              <a:latin typeface="Arial" panose="020B0604020202020204" pitchFamily="34" charset="0"/>
-              <a:cs typeface="Arial" panose="020B0604020202020204" pitchFamily="34" charset="0"/>
-            </a:endParaRPr>
-          </a:p>
-        </p:txBody>
-      </p:sp>
+      </p:pic>
+      <p:pic>
+        <p:nvPicPr>
+          <p:cNvPr id="7" name="Рисунок 6">
+            <a:extLst>
+              <a:ext uri="{FF2B5EF4-FFF2-40B4-BE49-F238E27FC236}">
+                <a16:creationId xmlns:a16="http://schemas.microsoft.com/office/drawing/2014/main" id="{6BDC4448-9F4F-4B88-B9F9-73AB98CDF636}"/>
+              </a:ext>
+            </a:extLst>
+          </p:cNvPr>
+          <p:cNvPicPr>
+            <a:picLocks noChangeAspect="1"/>
+          </p:cNvPicPr>
+          <p:nvPr/>
+        </p:nvPicPr>
+        <p:blipFill>
+          <a:blip r:embed="rId3"/>
+          <a:stretch>
+            <a:fillRect/>
+          </a:stretch>
+        </p:blipFill>
+        <p:spPr>
+          <a:xfrm>
+            <a:off x="6396038" y="1374862"/>
+            <a:ext cx="2415749" cy="220999"/>
+          </a:xfrm>
+          <a:prstGeom prst="rect">
+            <a:avLst/>
+          </a:prstGeom>
+        </p:spPr>
+      </p:pic>
     </p:spTree>
     <p:extLst>
       <p:ext uri="{BB962C8B-B14F-4D97-AF65-F5344CB8AC3E}">
-        <p14:creationId xmlns:p14="http://schemas.microsoft.com/office/powerpoint/2010/main" val="588498276"/>
+        <p14:creationId xmlns:p14="http://schemas.microsoft.com/office/powerpoint/2010/main" val="2990904466"/>
       </p:ext>
     </p:extLst>
   </p:cSld>
@@ -4428,6 +4457,255 @@
                 <a:latin typeface="Arial" panose="020B0604020202020204" pitchFamily="34" charset="0"/>
                 <a:cs typeface="Arial" panose="020B0604020202020204" pitchFamily="34" charset="0"/>
               </a:rPr>
+              <a:t>Бизнес-модель</a:t>
+            </a:r>
+          </a:p>
+        </p:txBody>
+      </p:sp>
+      <p:sp>
+        <p:nvSpPr>
+          <p:cNvPr id="3" name="Объект 2">
+            <a:extLst>
+              <a:ext uri="{FF2B5EF4-FFF2-40B4-BE49-F238E27FC236}">
+                <a16:creationId xmlns:a16="http://schemas.microsoft.com/office/drawing/2014/main" id="{0D76223C-AA72-40A2-AB72-43C474E8A15B}"/>
+              </a:ext>
+            </a:extLst>
+          </p:cNvPr>
+          <p:cNvSpPr>
+            <a:spLocks noGrp="1"/>
+          </p:cNvSpPr>
+          <p:nvPr>
+            <p:ph idx="1"/>
+          </p:nvPr>
+        </p:nvSpPr>
+        <p:spPr/>
+        <p:txBody>
+          <a:bodyPr/>
+          <a:lstStyle/>
+          <a:p>
+            <a:pPr marL="0" indent="0">
+              <a:buNone/>
+            </a:pPr>
+            <a:r>
+              <a:rPr lang="ru-RU" dirty="0">
+                <a:latin typeface="Arial" panose="020B0604020202020204" pitchFamily="34" charset="0"/>
+                <a:cs typeface="Arial" panose="020B0604020202020204" pitchFamily="34" charset="0"/>
+              </a:rPr>
+              <a:t>Монетизация в приложении будет осуществляться через премиум подписки для доступа к эксклюзивным курсам тренировок</a:t>
+            </a:r>
+          </a:p>
+        </p:txBody>
+      </p:sp>
+    </p:spTree>
+    <p:extLst>
+      <p:ext uri="{BB962C8B-B14F-4D97-AF65-F5344CB8AC3E}">
+        <p14:creationId xmlns:p14="http://schemas.microsoft.com/office/powerpoint/2010/main" val="3677777870"/>
+      </p:ext>
+    </p:extLst>
+  </p:cSld>
+  <p:clrMapOvr>
+    <a:masterClrMapping/>
+  </p:clrMapOvr>
+</p:sld>
+</file>
+
+<file path=ppt/slides/slide15.xml><?xml version="1.0" encoding="utf-8"?>
+<p:sld xmlns:a="http://schemas.openxmlformats.org/drawingml/2006/main" xmlns:r="http://schemas.openxmlformats.org/officeDocument/2006/relationships" xmlns:p="http://schemas.openxmlformats.org/presentationml/2006/main">
+  <p:cSld>
+    <p:spTree>
+      <p:nvGrpSpPr>
+        <p:cNvPr id="1" name=""/>
+        <p:cNvGrpSpPr/>
+        <p:nvPr/>
+      </p:nvGrpSpPr>
+      <p:grpSpPr>
+        <a:xfrm>
+          <a:off x="0" y="0"/>
+          <a:ext cx="0" cy="0"/>
+          <a:chOff x="0" y="0"/>
+          <a:chExt cx="0" cy="0"/>
+        </a:xfrm>
+      </p:grpSpPr>
+      <p:sp>
+        <p:nvSpPr>
+          <p:cNvPr id="2" name="Заголовок 1">
+            <a:extLst>
+              <a:ext uri="{FF2B5EF4-FFF2-40B4-BE49-F238E27FC236}">
+                <a16:creationId xmlns:a16="http://schemas.microsoft.com/office/drawing/2014/main" id="{2C89108A-4DD5-4257-BB06-54967AA65898}"/>
+              </a:ext>
+            </a:extLst>
+          </p:cNvPr>
+          <p:cNvSpPr>
+            <a:spLocks noGrp="1"/>
+          </p:cNvSpPr>
+          <p:nvPr>
+            <p:ph type="title"/>
+          </p:nvPr>
+        </p:nvSpPr>
+        <p:spPr/>
+        <p:txBody>
+          <a:bodyPr/>
+          <a:lstStyle/>
+          <a:p>
+            <a:r>
+              <a:rPr lang="ru-RU" b="1" dirty="0">
+                <a:latin typeface="Arial" panose="020B0604020202020204" pitchFamily="34" charset="0"/>
+                <a:cs typeface="Arial" panose="020B0604020202020204" pitchFamily="34" charset="0"/>
+              </a:rPr>
+              <a:t>План развития</a:t>
+            </a:r>
+          </a:p>
+        </p:txBody>
+      </p:sp>
+      <p:sp>
+        <p:nvSpPr>
+          <p:cNvPr id="3" name="Объект 2">
+            <a:extLst>
+              <a:ext uri="{FF2B5EF4-FFF2-40B4-BE49-F238E27FC236}">
+                <a16:creationId xmlns:a16="http://schemas.microsoft.com/office/drawing/2014/main" id="{0D76223C-AA72-40A2-AB72-43C474E8A15B}"/>
+              </a:ext>
+            </a:extLst>
+          </p:cNvPr>
+          <p:cNvSpPr>
+            <a:spLocks noGrp="1"/>
+          </p:cNvSpPr>
+          <p:nvPr>
+            <p:ph idx="1"/>
+          </p:nvPr>
+        </p:nvSpPr>
+        <p:spPr>
+          <a:xfrm>
+            <a:off x="838200" y="1825625"/>
+            <a:ext cx="10515600" cy="4667250"/>
+          </a:xfrm>
+        </p:spPr>
+        <p:txBody>
+          <a:bodyPr>
+            <a:normAutofit/>
+          </a:bodyPr>
+          <a:lstStyle/>
+          <a:p>
+            <a:r>
+              <a:rPr lang="ru-RU" b="1" dirty="0">
+                <a:latin typeface="Arial" panose="020B0604020202020204" pitchFamily="34" charset="0"/>
+                <a:cs typeface="Arial" panose="020B0604020202020204" pitchFamily="34" charset="0"/>
+              </a:rPr>
+              <a:t>Краткосрочные цели: </a:t>
+            </a:r>
+            <a:r>
+              <a:rPr lang="ru-RU" dirty="0">
+                <a:latin typeface="Arial" panose="020B0604020202020204" pitchFamily="34" charset="0"/>
+                <a:cs typeface="Arial" panose="020B0604020202020204" pitchFamily="34" charset="0"/>
+              </a:rPr>
+              <a:t>Запуск </a:t>
+            </a:r>
+            <a:r>
+              <a:rPr lang="en-US" dirty="0">
+                <a:latin typeface="Arial" panose="020B0604020202020204" pitchFamily="34" charset="0"/>
+                <a:cs typeface="Arial" panose="020B0604020202020204" pitchFamily="34" charset="0"/>
+              </a:rPr>
+              <a:t>MVP</a:t>
+            </a:r>
+            <a:r>
+              <a:rPr lang="ru-RU" dirty="0">
+                <a:latin typeface="Arial" panose="020B0604020202020204" pitchFamily="34" charset="0"/>
+                <a:cs typeface="Arial" panose="020B0604020202020204" pitchFamily="34" charset="0"/>
+              </a:rPr>
+              <a:t>, привлечение первых активных пользователей, сбор обратной связи для улучшения функционала</a:t>
+            </a:r>
+          </a:p>
+          <a:p>
+            <a:r>
+              <a:rPr lang="ru-RU" b="1" dirty="0">
+                <a:latin typeface="Arial" panose="020B0604020202020204" pitchFamily="34" charset="0"/>
+                <a:cs typeface="Arial" panose="020B0604020202020204" pitchFamily="34" charset="0"/>
+              </a:rPr>
+              <a:t>Долгосрочные цели:</a:t>
+            </a:r>
+            <a:r>
+              <a:rPr lang="ru-RU" dirty="0">
+                <a:latin typeface="Arial" panose="020B0604020202020204" pitchFamily="34" charset="0"/>
+                <a:cs typeface="Arial" panose="020B0604020202020204" pitchFamily="34" charset="0"/>
+              </a:rPr>
+              <a:t> Возможность оплаты через банковские карты, добавление просмотра профилей пользователей и взаимодействий с ними,</a:t>
+            </a:r>
+            <a:r>
+              <a:rPr lang="en-US" dirty="0">
+                <a:latin typeface="Arial" panose="020B0604020202020204" pitchFamily="34" charset="0"/>
+                <a:cs typeface="Arial" panose="020B0604020202020204" pitchFamily="34" charset="0"/>
+              </a:rPr>
+              <a:t> </a:t>
+            </a:r>
+            <a:r>
+              <a:rPr lang="ru-RU" dirty="0">
+                <a:latin typeface="Arial" panose="020B0604020202020204" pitchFamily="34" charset="0"/>
+                <a:cs typeface="Arial" panose="020B0604020202020204" pitchFamily="34" charset="0"/>
+              </a:rPr>
+              <a:t>расширение шаблонов упражнений, подсчета калорий, подбора рациона питания, добавление статей о здоровье и спорте, интеграции с умными девайсами, занятий с тренером.</a:t>
+            </a:r>
+            <a:endParaRPr lang="ru-RU" b="1" dirty="0">
+              <a:latin typeface="Arial" panose="020B0604020202020204" pitchFamily="34" charset="0"/>
+              <a:cs typeface="Arial" panose="020B0604020202020204" pitchFamily="34" charset="0"/>
+            </a:endParaRPr>
+          </a:p>
+        </p:txBody>
+      </p:sp>
+    </p:spTree>
+    <p:extLst>
+      <p:ext uri="{BB962C8B-B14F-4D97-AF65-F5344CB8AC3E}">
+        <p14:creationId xmlns:p14="http://schemas.microsoft.com/office/powerpoint/2010/main" val="588498276"/>
+      </p:ext>
+    </p:extLst>
+  </p:cSld>
+  <p:clrMapOvr>
+    <a:masterClrMapping/>
+  </p:clrMapOvr>
+</p:sld>
+</file>
+
+<file path=ppt/slides/slide16.xml><?xml version="1.0" encoding="utf-8"?>
+<p:sld xmlns:a="http://schemas.openxmlformats.org/drawingml/2006/main" xmlns:r="http://schemas.openxmlformats.org/officeDocument/2006/relationships" xmlns:p="http://schemas.openxmlformats.org/presentationml/2006/main">
+  <p:cSld>
+    <p:spTree>
+      <p:nvGrpSpPr>
+        <p:cNvPr id="1" name=""/>
+        <p:cNvGrpSpPr/>
+        <p:nvPr/>
+      </p:nvGrpSpPr>
+      <p:grpSpPr>
+        <a:xfrm>
+          <a:off x="0" y="0"/>
+          <a:ext cx="0" cy="0"/>
+          <a:chOff x="0" y="0"/>
+          <a:chExt cx="0" cy="0"/>
+        </a:xfrm>
+      </p:grpSpPr>
+      <p:sp>
+        <p:nvSpPr>
+          <p:cNvPr id="2" name="Заголовок 1">
+            <a:extLst>
+              <a:ext uri="{FF2B5EF4-FFF2-40B4-BE49-F238E27FC236}">
+                <a16:creationId xmlns:a16="http://schemas.microsoft.com/office/drawing/2014/main" id="{2C89108A-4DD5-4257-BB06-54967AA65898}"/>
+              </a:ext>
+            </a:extLst>
+          </p:cNvPr>
+          <p:cNvSpPr>
+            <a:spLocks noGrp="1"/>
+          </p:cNvSpPr>
+          <p:nvPr>
+            <p:ph type="title"/>
+          </p:nvPr>
+        </p:nvSpPr>
+        <p:spPr/>
+        <p:txBody>
+          <a:bodyPr/>
+          <a:lstStyle/>
+          <a:p>
+            <a:r>
+              <a:rPr lang="ru-RU" b="1" dirty="0">
+                <a:latin typeface="Arial" panose="020B0604020202020204" pitchFamily="34" charset="0"/>
+                <a:cs typeface="Arial" panose="020B0604020202020204" pitchFamily="34" charset="0"/>
+              </a:rPr>
               <a:t>Выводы</a:t>
             </a:r>
           </a:p>
@@ -4480,7 +4758,7 @@
 </p:sld>
 </file>
 
-<file path=ppt/slides/slide15.xml><?xml version="1.0" encoding="utf-8"?>
+<file path=ppt/slides/slide17.xml><?xml version="1.0" encoding="utf-8"?>
 <p:sld xmlns:a="http://schemas.openxmlformats.org/drawingml/2006/main" xmlns:r="http://schemas.openxmlformats.org/officeDocument/2006/relationships" xmlns:p="http://schemas.openxmlformats.org/presentationml/2006/main">
   <p:cSld>
     <p:spTree>
@@ -5006,7 +5284,7 @@
                 <a:latin typeface="Arial" panose="020B0604020202020204" pitchFamily="34" charset="0"/>
                 <a:cs typeface="Arial" panose="020B0604020202020204" pitchFamily="34" charset="0"/>
               </a:rPr>
-              <a:t>team lead, project manager,</a:t>
+              <a:t>mobile developer, project manager,</a:t>
             </a:r>
             <a:r>
               <a:rPr lang="ru-RU" dirty="0">
@@ -5074,7 +5352,7 @@
                 <a:latin typeface="Arial" panose="020B0604020202020204" pitchFamily="34" charset="0"/>
                 <a:cs typeface="Arial" panose="020B0604020202020204" pitchFamily="34" charset="0"/>
               </a:rPr>
-              <a:t>mobile developer</a:t>
+              <a:t>backend developer</a:t>
             </a:r>
             <a:endParaRPr lang="ru-RU" dirty="0">
               <a:latin typeface="Arial" panose="020B0604020202020204" pitchFamily="34" charset="0"/>
@@ -5363,7 +5641,7 @@
                 <a:latin typeface="Arial" panose="020B0604020202020204" pitchFamily="34" charset="0"/>
                 <a:cs typeface="Arial" panose="020B0604020202020204" pitchFamily="34" charset="0"/>
               </a:rPr>
-              <a:t>«FitHub» позволяет создавать индивидуальные тренировочные планы  через удобный конструктор, просматривать, оценивать и комментировать тренировки других пользователей, а также отслеживать свой прогресс</a:t>
+              <a:t>«FitHub» позволяет создавать индивидуальные тренировочные планы  через удобный конструктор, просматривать, оценивать и комментировать тренировки других пользователей, а также отслеживать свой прогресс.</a:t>
             </a:r>
           </a:p>
         </p:txBody>
